--- a/Apresentação/Fatorial.pptx
+++ b/Apresentação/Fatorial.pptx
@@ -12,6 +12,7 @@
     <p:sldId id="259" r:id="rId6"/>
     <p:sldId id="260" r:id="rId7"/>
     <p:sldId id="261" r:id="rId8"/>
+    <p:sldId id="263" r:id="rId9"/>
   </p:sldIdLst>
   <p:sldSz cx="12192000" cy="6858000"/>
   <p:notesSz cx="6858000" cy="9144000"/>
@@ -160,7 +161,7 @@
           </a:lstStyle>
           <a:p>
             <a:r>
-              <a:rPr lang="pt-BR" smtClean="0"/>
+              <a:rPr lang="pt-BR"/>
               <a:t>Clique para editar o título mestre</a:t>
             </a:r>
             <a:endParaRPr lang="en-US" dirty="0"/>
@@ -225,7 +226,7 @@
           </a:lstStyle>
           <a:p>
             <a:r>
-              <a:rPr lang="pt-BR" smtClean="0"/>
+              <a:rPr lang="pt-BR"/>
               <a:t>Clique para editar o estilo do subtítulo Mestre</a:t>
             </a:r>
             <a:endParaRPr lang="en-US" dirty="0"/>
@@ -343,7 +344,7 @@
           <a:lstStyle/>
           <a:p>
             <a:r>
-              <a:rPr lang="pt-BR" smtClean="0"/>
+              <a:rPr lang="pt-BR"/>
               <a:t>Clique para editar o título mestre</a:t>
             </a:r>
             <a:endParaRPr lang="en-US" dirty="0"/>
@@ -367,35 +368,35 @@
           <a:p>
             <a:pPr lvl="0"/>
             <a:r>
-              <a:rPr lang="pt-BR" smtClean="0"/>
+              <a:rPr lang="pt-BR"/>
               <a:t>Editar estilos de texto Mestre</a:t>
             </a:r>
           </a:p>
           <a:p>
             <a:pPr lvl="1"/>
             <a:r>
-              <a:rPr lang="pt-BR" smtClean="0"/>
+              <a:rPr lang="pt-BR"/>
               <a:t>Segundo nível</a:t>
             </a:r>
           </a:p>
           <a:p>
             <a:pPr lvl="2"/>
             <a:r>
-              <a:rPr lang="pt-BR" smtClean="0"/>
+              <a:rPr lang="pt-BR"/>
               <a:t>Terceiro nível</a:t>
             </a:r>
           </a:p>
           <a:p>
             <a:pPr lvl="3"/>
             <a:r>
-              <a:rPr lang="pt-BR" smtClean="0"/>
+              <a:rPr lang="pt-BR"/>
               <a:t>Quarto nível</a:t>
             </a:r>
           </a:p>
           <a:p>
             <a:pPr lvl="4"/>
             <a:r>
-              <a:rPr lang="pt-BR" smtClean="0"/>
+              <a:rPr lang="pt-BR"/>
               <a:t>Quinto nível</a:t>
             </a:r>
             <a:endParaRPr lang="en-US" dirty="0"/>
@@ -518,7 +519,7 @@
           <a:lstStyle/>
           <a:p>
             <a:r>
-              <a:rPr lang="pt-BR" smtClean="0"/>
+              <a:rPr lang="pt-BR"/>
               <a:t>Clique para editar o título mestre</a:t>
             </a:r>
             <a:endParaRPr lang="en-US" dirty="0"/>
@@ -547,35 +548,35 @@
           <a:p>
             <a:pPr lvl="0"/>
             <a:r>
-              <a:rPr lang="pt-BR" smtClean="0"/>
+              <a:rPr lang="pt-BR"/>
               <a:t>Editar estilos de texto Mestre</a:t>
             </a:r>
           </a:p>
           <a:p>
             <a:pPr lvl="1"/>
             <a:r>
-              <a:rPr lang="pt-BR" smtClean="0"/>
+              <a:rPr lang="pt-BR"/>
               <a:t>Segundo nível</a:t>
             </a:r>
           </a:p>
           <a:p>
             <a:pPr lvl="2"/>
             <a:r>
-              <a:rPr lang="pt-BR" smtClean="0"/>
+              <a:rPr lang="pt-BR"/>
               <a:t>Terceiro nível</a:t>
             </a:r>
           </a:p>
           <a:p>
             <a:pPr lvl="3"/>
             <a:r>
-              <a:rPr lang="pt-BR" smtClean="0"/>
+              <a:rPr lang="pt-BR"/>
               <a:t>Quarto nível</a:t>
             </a:r>
           </a:p>
           <a:p>
             <a:pPr lvl="4"/>
             <a:r>
-              <a:rPr lang="pt-BR" smtClean="0"/>
+              <a:rPr lang="pt-BR"/>
               <a:t>Quinto nível</a:t>
             </a:r>
             <a:endParaRPr lang="en-US" dirty="0"/>
@@ -693,7 +694,7 @@
           <a:lstStyle/>
           <a:p>
             <a:r>
-              <a:rPr lang="pt-BR" smtClean="0"/>
+              <a:rPr lang="pt-BR"/>
               <a:t>Clique para editar o título mestre</a:t>
             </a:r>
             <a:endParaRPr lang="en-US" dirty="0"/>
@@ -717,35 +718,35 @@
           <a:p>
             <a:pPr lvl="0"/>
             <a:r>
-              <a:rPr lang="pt-BR" smtClean="0"/>
+              <a:rPr lang="pt-BR"/>
               <a:t>Editar estilos de texto Mestre</a:t>
             </a:r>
           </a:p>
           <a:p>
             <a:pPr lvl="1"/>
             <a:r>
-              <a:rPr lang="pt-BR" smtClean="0"/>
+              <a:rPr lang="pt-BR"/>
               <a:t>Segundo nível</a:t>
             </a:r>
           </a:p>
           <a:p>
             <a:pPr lvl="2"/>
             <a:r>
-              <a:rPr lang="pt-BR" smtClean="0"/>
+              <a:rPr lang="pt-BR"/>
               <a:t>Terceiro nível</a:t>
             </a:r>
           </a:p>
           <a:p>
             <a:pPr lvl="3"/>
             <a:r>
-              <a:rPr lang="pt-BR" smtClean="0"/>
+              <a:rPr lang="pt-BR"/>
               <a:t>Quarto nível</a:t>
             </a:r>
           </a:p>
           <a:p>
             <a:pPr lvl="4"/>
             <a:r>
-              <a:rPr lang="pt-BR" smtClean="0"/>
+              <a:rPr lang="pt-BR"/>
               <a:t>Quinto nível</a:t>
             </a:r>
             <a:endParaRPr lang="en-US" dirty="0"/>
@@ -872,7 +873,7 @@
           </a:lstStyle>
           <a:p>
             <a:r>
-              <a:rPr lang="pt-BR" smtClean="0"/>
+              <a:rPr lang="pt-BR"/>
               <a:t>Clique para editar o título mestre</a:t>
             </a:r>
             <a:endParaRPr lang="en-US" dirty="0"/>
@@ -992,7 +993,7 @@
           <a:p>
             <a:pPr lvl="0"/>
             <a:r>
-              <a:rPr lang="pt-BR" smtClean="0"/>
+              <a:rPr lang="pt-BR"/>
               <a:t>Editar estilos de texto Mestre</a:t>
             </a:r>
           </a:p>
@@ -1109,7 +1110,7 @@
           <a:lstStyle/>
           <a:p>
             <a:r>
-              <a:rPr lang="pt-BR" smtClean="0"/>
+              <a:rPr lang="pt-BR"/>
               <a:t>Clique para editar o título mestre</a:t>
             </a:r>
             <a:endParaRPr lang="en-US" dirty="0"/>
@@ -1138,35 +1139,35 @@
           <a:p>
             <a:pPr lvl="0"/>
             <a:r>
-              <a:rPr lang="pt-BR" smtClean="0"/>
+              <a:rPr lang="pt-BR"/>
               <a:t>Editar estilos de texto Mestre</a:t>
             </a:r>
           </a:p>
           <a:p>
             <a:pPr lvl="1"/>
             <a:r>
-              <a:rPr lang="pt-BR" smtClean="0"/>
+              <a:rPr lang="pt-BR"/>
               <a:t>Segundo nível</a:t>
             </a:r>
           </a:p>
           <a:p>
             <a:pPr lvl="2"/>
             <a:r>
-              <a:rPr lang="pt-BR" smtClean="0"/>
+              <a:rPr lang="pt-BR"/>
               <a:t>Terceiro nível</a:t>
             </a:r>
           </a:p>
           <a:p>
             <a:pPr lvl="3"/>
             <a:r>
-              <a:rPr lang="pt-BR" smtClean="0"/>
+              <a:rPr lang="pt-BR"/>
               <a:t>Quarto nível</a:t>
             </a:r>
           </a:p>
           <a:p>
             <a:pPr lvl="4"/>
             <a:r>
-              <a:rPr lang="pt-BR" smtClean="0"/>
+              <a:rPr lang="pt-BR"/>
               <a:t>Quinto nível</a:t>
             </a:r>
             <a:endParaRPr lang="en-US" dirty="0"/>
@@ -1195,35 +1196,35 @@
           <a:p>
             <a:pPr lvl="0"/>
             <a:r>
-              <a:rPr lang="pt-BR" smtClean="0"/>
+              <a:rPr lang="pt-BR"/>
               <a:t>Editar estilos de texto Mestre</a:t>
             </a:r>
           </a:p>
           <a:p>
             <a:pPr lvl="1"/>
             <a:r>
-              <a:rPr lang="pt-BR" smtClean="0"/>
+              <a:rPr lang="pt-BR"/>
               <a:t>Segundo nível</a:t>
             </a:r>
           </a:p>
           <a:p>
             <a:pPr lvl="2"/>
             <a:r>
-              <a:rPr lang="pt-BR" smtClean="0"/>
+              <a:rPr lang="pt-BR"/>
               <a:t>Terceiro nível</a:t>
             </a:r>
           </a:p>
           <a:p>
             <a:pPr lvl="3"/>
             <a:r>
-              <a:rPr lang="pt-BR" smtClean="0"/>
+              <a:rPr lang="pt-BR"/>
               <a:t>Quarto nível</a:t>
             </a:r>
           </a:p>
           <a:p>
             <a:pPr lvl="4"/>
             <a:r>
-              <a:rPr lang="pt-BR" smtClean="0"/>
+              <a:rPr lang="pt-BR"/>
               <a:t>Quinto nível</a:t>
             </a:r>
             <a:endParaRPr lang="en-US" dirty="0"/>
@@ -1346,7 +1347,7 @@
           <a:lstStyle/>
           <a:p>
             <a:r>
-              <a:rPr lang="pt-BR" smtClean="0"/>
+              <a:rPr lang="pt-BR"/>
               <a:t>Clique para editar o título mestre</a:t>
             </a:r>
             <a:endParaRPr lang="en-US" dirty="0"/>
@@ -1412,7 +1413,7 @@
           <a:p>
             <a:pPr lvl="0"/>
             <a:r>
-              <a:rPr lang="pt-BR" smtClean="0"/>
+              <a:rPr lang="pt-BR"/>
               <a:t>Editar estilos de texto Mestre</a:t>
             </a:r>
           </a:p>
@@ -1440,35 +1441,35 @@
           <a:p>
             <a:pPr lvl="0"/>
             <a:r>
-              <a:rPr lang="pt-BR" smtClean="0"/>
+              <a:rPr lang="pt-BR"/>
               <a:t>Editar estilos de texto Mestre</a:t>
             </a:r>
           </a:p>
           <a:p>
             <a:pPr lvl="1"/>
             <a:r>
-              <a:rPr lang="pt-BR" smtClean="0"/>
+              <a:rPr lang="pt-BR"/>
               <a:t>Segundo nível</a:t>
             </a:r>
           </a:p>
           <a:p>
             <a:pPr lvl="2"/>
             <a:r>
-              <a:rPr lang="pt-BR" smtClean="0"/>
+              <a:rPr lang="pt-BR"/>
               <a:t>Terceiro nível</a:t>
             </a:r>
           </a:p>
           <a:p>
             <a:pPr lvl="3"/>
             <a:r>
-              <a:rPr lang="pt-BR" smtClean="0"/>
+              <a:rPr lang="pt-BR"/>
               <a:t>Quarto nível</a:t>
             </a:r>
           </a:p>
           <a:p>
             <a:pPr lvl="4"/>
             <a:r>
-              <a:rPr lang="pt-BR" smtClean="0"/>
+              <a:rPr lang="pt-BR"/>
               <a:t>Quinto nível</a:t>
             </a:r>
             <a:endParaRPr lang="en-US" dirty="0"/>
@@ -1534,7 +1535,7 @@
           <a:p>
             <a:pPr lvl="0"/>
             <a:r>
-              <a:rPr lang="pt-BR" smtClean="0"/>
+              <a:rPr lang="pt-BR"/>
               <a:t>Editar estilos de texto Mestre</a:t>
             </a:r>
           </a:p>
@@ -1562,35 +1563,35 @@
           <a:p>
             <a:pPr lvl="0"/>
             <a:r>
-              <a:rPr lang="pt-BR" smtClean="0"/>
+              <a:rPr lang="pt-BR"/>
               <a:t>Editar estilos de texto Mestre</a:t>
             </a:r>
           </a:p>
           <a:p>
             <a:pPr lvl="1"/>
             <a:r>
-              <a:rPr lang="pt-BR" smtClean="0"/>
+              <a:rPr lang="pt-BR"/>
               <a:t>Segundo nível</a:t>
             </a:r>
           </a:p>
           <a:p>
             <a:pPr lvl="2"/>
             <a:r>
-              <a:rPr lang="pt-BR" smtClean="0"/>
+              <a:rPr lang="pt-BR"/>
               <a:t>Terceiro nível</a:t>
             </a:r>
           </a:p>
           <a:p>
             <a:pPr lvl="3"/>
             <a:r>
-              <a:rPr lang="pt-BR" smtClean="0"/>
+              <a:rPr lang="pt-BR"/>
               <a:t>Quarto nível</a:t>
             </a:r>
           </a:p>
           <a:p>
             <a:pPr lvl="4"/>
             <a:r>
-              <a:rPr lang="pt-BR" smtClean="0"/>
+              <a:rPr lang="pt-BR"/>
               <a:t>Quinto nível</a:t>
             </a:r>
             <a:endParaRPr lang="en-US" dirty="0"/>
@@ -1708,7 +1709,7 @@
           <a:lstStyle/>
           <a:p>
             <a:r>
-              <a:rPr lang="pt-BR" smtClean="0"/>
+              <a:rPr lang="pt-BR"/>
               <a:t>Clique para editar o título mestre</a:t>
             </a:r>
             <a:endParaRPr lang="en-US" dirty="0"/>
@@ -1930,7 +1931,7 @@
           </a:lstStyle>
           <a:p>
             <a:r>
-              <a:rPr lang="pt-BR" smtClean="0"/>
+              <a:rPr lang="pt-BR"/>
               <a:t>Clique para editar o título mestre</a:t>
             </a:r>
             <a:endParaRPr lang="en-US" dirty="0"/>
@@ -1987,35 +1988,35 @@
           <a:p>
             <a:pPr lvl="0"/>
             <a:r>
-              <a:rPr lang="pt-BR" smtClean="0"/>
+              <a:rPr lang="pt-BR"/>
               <a:t>Editar estilos de texto Mestre</a:t>
             </a:r>
           </a:p>
           <a:p>
             <a:pPr lvl="1"/>
             <a:r>
-              <a:rPr lang="pt-BR" smtClean="0"/>
+              <a:rPr lang="pt-BR"/>
               <a:t>Segundo nível</a:t>
             </a:r>
           </a:p>
           <a:p>
             <a:pPr lvl="2"/>
             <a:r>
-              <a:rPr lang="pt-BR" smtClean="0"/>
+              <a:rPr lang="pt-BR"/>
               <a:t>Terceiro nível</a:t>
             </a:r>
           </a:p>
           <a:p>
             <a:pPr lvl="3"/>
             <a:r>
-              <a:rPr lang="pt-BR" smtClean="0"/>
+              <a:rPr lang="pt-BR"/>
               <a:t>Quarto nível</a:t>
             </a:r>
           </a:p>
           <a:p>
             <a:pPr lvl="4"/>
             <a:r>
-              <a:rPr lang="pt-BR" smtClean="0"/>
+              <a:rPr lang="pt-BR"/>
               <a:t>Quinto nível</a:t>
             </a:r>
             <a:endParaRPr lang="en-US" dirty="0"/>
@@ -2081,7 +2082,7 @@
           <a:p>
             <a:pPr lvl="0"/>
             <a:r>
-              <a:rPr lang="pt-BR" smtClean="0"/>
+              <a:rPr lang="pt-BR"/>
               <a:t>Editar estilos de texto Mestre</a:t>
             </a:r>
           </a:p>
@@ -2207,7 +2208,7 @@
           </a:lstStyle>
           <a:p>
             <a:r>
-              <a:rPr lang="pt-BR" smtClean="0"/>
+              <a:rPr lang="pt-BR"/>
               <a:t>Clique para editar o título mestre</a:t>
             </a:r>
             <a:endParaRPr lang="en-US" dirty="0"/>
@@ -2272,7 +2273,7 @@
           </a:lstStyle>
           <a:p>
             <a:r>
-              <a:rPr lang="pt-BR" smtClean="0"/>
+              <a:rPr lang="pt-BR"/>
               <a:t>Clique no ícone para adicionar uma imagem</a:t>
             </a:r>
             <a:endParaRPr lang="en-US" dirty="0"/>
@@ -2338,7 +2339,7 @@
           <a:p>
             <a:pPr lvl="0"/>
             <a:r>
-              <a:rPr lang="pt-BR" smtClean="0"/>
+              <a:rPr lang="pt-BR"/>
               <a:t>Editar estilos de texto Mestre</a:t>
             </a:r>
           </a:p>
@@ -2470,7 +2471,7 @@
           <a:lstStyle/>
           <a:p>
             <a:r>
-              <a:rPr lang="pt-BR" smtClean="0"/>
+              <a:rPr lang="pt-BR"/>
               <a:t>Clique para editar o título mestre</a:t>
             </a:r>
             <a:endParaRPr lang="en-US" dirty="0"/>
@@ -2504,35 +2505,35 @@
           <a:p>
             <a:pPr lvl="0"/>
             <a:r>
-              <a:rPr lang="pt-BR" smtClean="0"/>
+              <a:rPr lang="pt-BR"/>
               <a:t>Editar estilos de texto Mestre</a:t>
             </a:r>
           </a:p>
           <a:p>
             <a:pPr lvl="1"/>
             <a:r>
-              <a:rPr lang="pt-BR" smtClean="0"/>
+              <a:rPr lang="pt-BR"/>
               <a:t>Segundo nível</a:t>
             </a:r>
           </a:p>
           <a:p>
             <a:pPr lvl="2"/>
             <a:r>
-              <a:rPr lang="pt-BR" smtClean="0"/>
+              <a:rPr lang="pt-BR"/>
               <a:t>Terceiro nível</a:t>
             </a:r>
           </a:p>
           <a:p>
             <a:pPr lvl="3"/>
             <a:r>
-              <a:rPr lang="pt-BR" smtClean="0"/>
+              <a:rPr lang="pt-BR"/>
               <a:t>Quarto nível</a:t>
             </a:r>
           </a:p>
           <a:p>
             <a:pPr lvl="4"/>
             <a:r>
-              <a:rPr lang="pt-BR" smtClean="0"/>
+              <a:rPr lang="pt-BR"/>
               <a:t>Quinto nível</a:t>
             </a:r>
             <a:endParaRPr lang="en-US" dirty="0"/>
@@ -3013,7 +3014,7 @@
           <a:lstStyle/>
           <a:p>
             <a:r>
-              <a:rPr lang="pt-BR" sz="40000" i="1" dirty="0" smtClean="0">
+              <a:rPr lang="pt-BR" sz="40000" i="1" dirty="0">
                 <a:solidFill>
                   <a:schemeClr val="accent1">
                     <a:lumMod val="50000"/>
@@ -3058,7 +3059,7 @@
           <a:p>
             <a:pPr algn="ctr"/>
             <a:r>
-              <a:rPr lang="pt-BR" sz="9600" dirty="0" smtClean="0">
+              <a:rPr lang="pt-BR" sz="9600" dirty="0">
                 <a:solidFill>
                   <a:schemeClr val="bg1"/>
                 </a:solidFill>
@@ -3099,7 +3100,7 @@
           <a:p>
             <a:pPr algn="ctr"/>
             <a:r>
-              <a:rPr lang="pt-BR" dirty="0" smtClean="0">
+              <a:rPr lang="pt-BR" dirty="0">
                 <a:solidFill>
                   <a:schemeClr val="bg1"/>
                 </a:solidFill>
@@ -3111,7 +3112,7 @@
           <a:p>
             <a:pPr algn="ctr"/>
             <a:r>
-              <a:rPr lang="pt-BR" dirty="0" smtClean="0">
+              <a:rPr lang="pt-BR" dirty="0">
                 <a:solidFill>
                   <a:schemeClr val="bg1"/>
                 </a:solidFill>
@@ -3148,7 +3149,7 @@
           <a:lstStyle/>
           <a:p>
             <a:r>
-              <a:rPr lang="pt-BR" sz="9600" i="1" dirty="0" smtClean="0">
+              <a:rPr lang="pt-BR" sz="9600" i="1" dirty="0">
                 <a:solidFill>
                   <a:schemeClr val="bg1"/>
                 </a:solidFill>
@@ -3188,7 +3189,7 @@
           <a:lstStyle/>
           <a:p>
             <a:r>
-              <a:rPr lang="pt-BR" sz="9600" i="1" dirty="0" smtClean="0">
+              <a:rPr lang="pt-BR" sz="9600" i="1" dirty="0">
                 <a:solidFill>
                   <a:schemeClr val="bg1"/>
                 </a:solidFill>
@@ -3215,13 +3216,6 @@
   <p:clrMapOvr>
     <a:masterClrMapping/>
   </p:clrMapOvr>
-  <p:timing>
-    <p:tnLst>
-      <p:par>
-        <p:cTn id="1" dur="indefinite" restart="never" nodeType="tmRoot"/>
-      </p:par>
-    </p:tnLst>
-  </p:timing>
 </p:sld>
 </file>
 
@@ -3276,7 +3270,7 @@
           <a:lstStyle/>
           <a:p>
             <a:r>
-              <a:rPr lang="pt-BR" sz="2400" dirty="0" smtClean="0">
+              <a:rPr lang="pt-BR" sz="2400" dirty="0">
                 <a:solidFill>
                   <a:schemeClr val="bg1"/>
                 </a:solidFill>
@@ -3285,7 +3279,7 @@
               <a:t>Tema 9 – Fatorial usando </a:t>
             </a:r>
             <a:r>
-              <a:rPr lang="pt-BR" sz="2400" dirty="0" err="1" smtClean="0">
+              <a:rPr lang="pt-BR" sz="2400" dirty="0" err="1">
                 <a:solidFill>
                   <a:schemeClr val="bg1"/>
                 </a:solidFill>
@@ -3353,13 +3347,6 @@
   <p:clrMapOvr>
     <a:masterClrMapping/>
   </p:clrMapOvr>
-  <p:timing>
-    <p:tnLst>
-      <p:par>
-        <p:cTn id="1" dur="indefinite" restart="never" nodeType="tmRoot"/>
-      </p:par>
-    </p:tnLst>
-  </p:timing>
 </p:sld>
 </file>
 
@@ -3418,7 +3405,7 @@
               <a:buChar char="•"/>
             </a:pPr>
             <a:r>
-              <a:rPr lang="pt-BR" sz="2400" dirty="0" smtClean="0">
+              <a:rPr lang="pt-BR" sz="2400" dirty="0">
                 <a:solidFill>
                   <a:schemeClr val="bg1"/>
                 </a:solidFill>
@@ -3484,12 +3471,6 @@
               </a:rPr>
               <a:t> de um número inteiro e positivo “n”, representado por “n!” é obtido a partir da multiplicação de todos os seus antecessores até o número um, cuja expressão genérica é n! = n . (n – 1). (n – 2). (n – 3) ... 2,1. </a:t>
             </a:r>
-            <a:endParaRPr lang="pt-BR" sz="2400" dirty="0" smtClean="0">
-              <a:solidFill>
-                <a:schemeClr val="bg1"/>
-              </a:solidFill>
-              <a:latin typeface="Calisto MT" panose="02040603050505030304" pitchFamily="18" charset="0"/>
-            </a:endParaRPr>
           </a:p>
           <a:p>
             <a:endParaRPr lang="pt-BR" sz="2400" dirty="0">
@@ -3501,7 +3482,7 @@
           </a:p>
           <a:p>
             <a:r>
-              <a:rPr lang="pt-BR" sz="2400" dirty="0" smtClean="0">
+              <a:rPr lang="pt-BR" sz="2400" dirty="0">
                 <a:solidFill>
                   <a:schemeClr val="bg1"/>
                 </a:solidFill>
@@ -3532,14 +3513,16 @@
           </a:p>
           <a:p>
             <a:r>
-              <a:rPr lang="en-US" sz="2400" dirty="0" smtClean="0">
+              <a:rPr lang="en-US" sz="2400" dirty="0">
                 <a:solidFill>
                   <a:schemeClr val="bg1"/>
                 </a:solidFill>
                 <a:latin typeface="Calisto MT" panose="02040603050505030304" pitchFamily="18" charset="0"/>
               </a:rPr>
-              <a:t> 	4</a:t>
-            </a:r>
+              <a:t> 	4! = 4. 3 . 2 . 1 = 24</a:t>
+            </a:r>
+          </a:p>
+          <a:p>
             <a:r>
               <a:rPr lang="en-US" sz="2400" dirty="0">
                 <a:solidFill>
@@ -3547,56 +3530,18 @@
                 </a:solidFill>
                 <a:latin typeface="Calisto MT" panose="02040603050505030304" pitchFamily="18" charset="0"/>
               </a:rPr>
-              <a:t>! = 4. 3 . 2 . 1 = 24</a:t>
-            </a:r>
-          </a:p>
-          <a:p>
-            <a:r>
-              <a:rPr lang="en-US" sz="2400" dirty="0" smtClean="0">
+              <a:t> 	5! = 5 . 4 . 3 . 2 . 1 = 120</a:t>
+            </a:r>
+          </a:p>
+          <a:p>
+            <a:r>
+              <a:rPr lang="en-US" sz="2400" dirty="0">
                 <a:solidFill>
                   <a:schemeClr val="bg1"/>
                 </a:solidFill>
                 <a:latin typeface="Calisto MT" panose="02040603050505030304" pitchFamily="18" charset="0"/>
               </a:rPr>
-              <a:t> 	5</a:t>
-            </a:r>
-            <a:r>
-              <a:rPr lang="en-US" sz="2400" dirty="0">
-                <a:solidFill>
-                  <a:schemeClr val="bg1"/>
-                </a:solidFill>
-                <a:latin typeface="Calisto MT" panose="02040603050505030304" pitchFamily="18" charset="0"/>
-              </a:rPr>
-              <a:t>! = 5 . 4 . 3 . 2 . 1 = 120</a:t>
-            </a:r>
-          </a:p>
-          <a:p>
-            <a:r>
-              <a:rPr lang="en-US" sz="2400" dirty="0">
-                <a:solidFill>
-                  <a:schemeClr val="bg1"/>
-                </a:solidFill>
-                <a:latin typeface="Calisto MT" panose="02040603050505030304" pitchFamily="18" charset="0"/>
-              </a:rPr>
-              <a:t>	</a:t>
-            </a:r>
-            <a:r>
-              <a:rPr lang="en-US" sz="2400" dirty="0" smtClean="0">
-                <a:solidFill>
-                  <a:schemeClr val="bg1"/>
-                </a:solidFill>
-                <a:latin typeface="Calisto MT" panose="02040603050505030304" pitchFamily="18" charset="0"/>
-              </a:rPr>
-              <a:t>6</a:t>
-            </a:r>
-            <a:r>
-              <a:rPr lang="en-US" sz="2400" dirty="0">
-                <a:solidFill>
-                  <a:schemeClr val="bg1"/>
-                </a:solidFill>
-                <a:latin typeface="Calisto MT" panose="02040603050505030304" pitchFamily="18" charset="0"/>
-              </a:rPr>
-              <a:t>! = 6 . 5 . 4 . 3 . 2 . 1 = 720</a:t>
+              <a:t>	6! = 6 . 5 . 4 . 3 . 2 . 1 = 720</a:t>
             </a:r>
           </a:p>
           <a:p>
@@ -3614,13 +3559,6 @@
   <p:clrMapOvr>
     <a:masterClrMapping/>
   </p:clrMapOvr>
-  <p:timing>
-    <p:tnLst>
-      <p:par>
-        <p:cTn id="1" dur="indefinite" restart="never" nodeType="tmRoot"/>
-      </p:par>
-    </p:tnLst>
-  </p:timing>
 </p:sld>
 </file>
 
@@ -3679,7 +3617,7 @@
               <a:buChar char="•"/>
             </a:pPr>
             <a:r>
-              <a:rPr lang="pt-BR" sz="2400" dirty="0" smtClean="0">
+              <a:rPr lang="pt-BR" sz="2400" dirty="0">
                 <a:solidFill>
                   <a:schemeClr val="bg1"/>
                 </a:solidFill>
@@ -3705,7 +3643,7 @@
         <p:spPr>
           <a:xfrm>
             <a:off x="1257300" y="1676400"/>
-            <a:ext cx="9639300" cy="923330"/>
+            <a:ext cx="9639300" cy="2862322"/>
           </a:xfrm>
           <a:prstGeom prst="rect">
             <a:avLst/>
@@ -3723,7 +3661,7 @@
               <a:buChar char="•"/>
             </a:pPr>
             <a:r>
-              <a:rPr lang="pt-BR" dirty="0" smtClean="0">
+              <a:rPr lang="pt-BR" dirty="0">
                 <a:solidFill>
                   <a:schemeClr val="bg1"/>
                 </a:solidFill>
@@ -3734,7 +3672,7 @@
           </a:p>
           <a:p>
             <a:r>
-              <a:rPr lang="pt-BR" dirty="0" smtClean="0">
+              <a:rPr lang="pt-BR" dirty="0">
                 <a:solidFill>
                   <a:schemeClr val="bg1"/>
                 </a:solidFill>
@@ -3743,12 +3681,57 @@
               <a:t>	O overflow ocorre quando uma variável “estoura” sua memória</a:t>
             </a:r>
             <a:r>
-              <a:rPr lang="pt-BR" dirty="0" smtClean="0">
+              <a:rPr lang="pt-BR" dirty="0">
                 <a:solidFill>
                   <a:schemeClr val="bg1"/>
                 </a:solidFill>
               </a:rPr>
               <a:t>.</a:t>
+            </a:r>
+          </a:p>
+          <a:p>
+            <a:r>
+              <a:rPr lang="pt-BR" dirty="0">
+                <a:solidFill>
+                  <a:schemeClr val="bg1"/>
+                </a:solidFill>
+              </a:rPr>
+              <a:t>	</a:t>
+            </a:r>
+            <a:r>
+              <a:rPr lang="pt-BR" dirty="0">
+                <a:solidFill>
+                  <a:schemeClr val="bg1"/>
+                </a:solidFill>
+                <a:latin typeface="Calisto MT" panose="02040603050505030304" pitchFamily="18" charset="0"/>
+              </a:rPr>
+              <a:t>Este problema ocorreu porque o resultado de fatoriais de números maiores, ultrapassa o limite de representação de inteiros. Neste ponto, em sistemas de 64 bits o limite de representação seria o valor de : (2^64) que é menor que o fatorial de 21 por exemplo.</a:t>
+            </a:r>
+          </a:p>
+          <a:p>
+            <a:pPr marL="285750" indent="-285750">
+              <a:buFont typeface="Arial" panose="020B0604020202020204" pitchFamily="34" charset="0"/>
+              <a:buChar char="•"/>
+            </a:pPr>
+            <a:r>
+              <a:rPr lang="pt-BR" dirty="0">
+                <a:solidFill>
+                  <a:schemeClr val="bg1"/>
+                </a:solidFill>
+                <a:latin typeface="Calisto MT" panose="02040603050505030304" pitchFamily="18" charset="0"/>
+              </a:rPr>
+              <a:t>Utilizando strings</a:t>
+            </a:r>
+          </a:p>
+          <a:p>
+            <a:r>
+              <a:rPr lang="pt-BR" dirty="0">
+                <a:solidFill>
+                  <a:schemeClr val="bg1"/>
+                </a:solidFill>
+                <a:latin typeface="Calisto MT" panose="02040603050505030304" pitchFamily="18" charset="0"/>
+              </a:rPr>
+              <a:t>	Para solucionar tal problema, foram feitos testes salvando os valores de fatorial em strings na forma de notação cientifica. No entanto, utilizando esta solução, somente foi possível representar ate o fatorial de 170.</a:t>
             </a:r>
           </a:p>
           <a:p>
@@ -3770,13 +3753,6 @@
   <p:clrMapOvr>
     <a:masterClrMapping/>
   </p:clrMapOvr>
-  <p:timing>
-    <p:tnLst>
-      <p:par>
-        <p:cTn id="1" dur="indefinite" restart="never" nodeType="tmRoot"/>
-      </p:par>
-    </p:tnLst>
-  </p:timing>
 </p:sld>
 </file>
 
@@ -3831,7 +3807,7 @@
           <a:lstStyle/>
           <a:p>
             <a:r>
-              <a:rPr lang="pt-BR" sz="2400" dirty="0" smtClean="0">
+              <a:rPr lang="pt-BR" sz="2400" dirty="0">
                 <a:solidFill>
                   <a:schemeClr val="bg1"/>
                 </a:solidFill>
@@ -3881,7 +3857,7 @@
         <p:spPr>
           <a:xfrm>
             <a:off x="7248525" y="1571625"/>
-            <a:ext cx="4362450" cy="2308324"/>
+            <a:ext cx="4362450" cy="2862322"/>
           </a:xfrm>
           <a:prstGeom prst="rect">
             <a:avLst/>
@@ -3899,31 +3875,13 @@
               <a:buChar char="•"/>
             </a:pPr>
             <a:r>
-              <a:rPr lang="pt-BR" dirty="0" smtClean="0">
+              <a:rPr lang="pt-BR" dirty="0">
                 <a:solidFill>
                   <a:schemeClr val="bg1"/>
                 </a:solidFill>
                 <a:latin typeface="Calisto MT" panose="02040603050505030304" pitchFamily="18" charset="0"/>
               </a:rPr>
-              <a:t>A função </a:t>
-            </a:r>
-            <a:r>
-              <a:rPr lang="pt-BR" dirty="0" err="1" smtClean="0">
-                <a:solidFill>
-                  <a:schemeClr val="bg1"/>
-                </a:solidFill>
-                <a:latin typeface="Calisto MT" panose="02040603050505030304" pitchFamily="18" charset="0"/>
-              </a:rPr>
-              <a:t>factorial</a:t>
-            </a:r>
-            <a:r>
-              <a:rPr lang="pt-BR" dirty="0" smtClean="0">
-                <a:solidFill>
-                  <a:schemeClr val="bg1"/>
-                </a:solidFill>
-                <a:latin typeface="Calisto MT" panose="02040603050505030304" pitchFamily="18" charset="0"/>
-              </a:rPr>
-              <a:t>( ) é onde ocorrerá a definição do buffer, inicialização do tamanho do buffer e também será inicializado o buffer com o valor 1 como padrão.</a:t>
+              <a:t>A função factorial() é onde ocorrerá a alocação de memória para o buffer, inicialização do tamanho e também será inicializado o buffer com o valor 1 como padrão.</a:t>
             </a:r>
           </a:p>
           <a:p>
@@ -3932,13 +3890,28 @@
               <a:buChar char="•"/>
             </a:pPr>
             <a:r>
-              <a:rPr lang="pt-BR" dirty="0" smtClean="0">
+              <a:rPr lang="pt-BR" dirty="0">
                 <a:solidFill>
                   <a:schemeClr val="bg1"/>
                 </a:solidFill>
                 <a:latin typeface="Calisto MT" panose="02040603050505030304" pitchFamily="18" charset="0"/>
               </a:rPr>
               <a:t>Ocorrerá a multiplicação de valores           a partir  do valor 2  até o numero escolhido, algarismo por algarismo.</a:t>
+            </a:r>
+          </a:p>
+          <a:p>
+            <a:pPr marL="285750" indent="-285750">
+              <a:buFont typeface="Arial" panose="020B0604020202020204" pitchFamily="34" charset="0"/>
+              <a:buChar char="•"/>
+            </a:pPr>
+            <a:r>
+              <a:rPr lang="pt-BR" dirty="0">
+                <a:solidFill>
+                  <a:schemeClr val="bg1"/>
+                </a:solidFill>
+                <a:latin typeface="Calisto MT" panose="02040603050505030304" pitchFamily="18" charset="0"/>
+              </a:rPr>
+              <a:t>Por fim, um loop percorrerá o buffer exibindo os seus algarismos na tela</a:t>
             </a:r>
             <a:endParaRPr lang="en-US" dirty="0">
               <a:solidFill>
@@ -3959,13 +3932,6 @@
   <p:clrMapOvr>
     <a:masterClrMapping/>
   </p:clrMapOvr>
-  <p:timing>
-    <p:tnLst>
-      <p:par>
-        <p:cTn id="1" dur="indefinite" restart="never" nodeType="tmRoot"/>
-      </p:par>
-    </p:tnLst>
-  </p:timing>
 </p:sld>
 </file>
 
@@ -4020,7 +3986,7 @@
           <a:lstStyle/>
           <a:p>
             <a:r>
-              <a:rPr lang="pt-BR" sz="2400" dirty="0" smtClean="0">
+              <a:rPr lang="pt-BR" sz="2400" dirty="0">
                 <a:solidFill>
                   <a:schemeClr val="bg1"/>
                 </a:solidFill>
@@ -4088,31 +4054,13 @@
               <a:buChar char="•"/>
             </a:pPr>
             <a:r>
-              <a:rPr lang="pt-BR" dirty="0" smtClean="0">
+              <a:rPr lang="pt-BR" dirty="0">
                 <a:solidFill>
                   <a:schemeClr val="bg1"/>
                 </a:solidFill>
                 <a:latin typeface="Calisto MT" panose="02040603050505030304" pitchFamily="18" charset="0"/>
               </a:rPr>
-              <a:t>Na função </a:t>
-            </a:r>
-            <a:r>
-              <a:rPr lang="pt-BR" dirty="0" err="1" smtClean="0">
-                <a:solidFill>
-                  <a:schemeClr val="bg1"/>
-                </a:solidFill>
-                <a:latin typeface="Calisto MT" panose="02040603050505030304" pitchFamily="18" charset="0"/>
-              </a:rPr>
-              <a:t>multiply</a:t>
-            </a:r>
-            <a:r>
-              <a:rPr lang="pt-BR" dirty="0" smtClean="0">
-                <a:solidFill>
-                  <a:schemeClr val="bg1"/>
-                </a:solidFill>
-                <a:latin typeface="Calisto MT" panose="02040603050505030304" pitchFamily="18" charset="0"/>
-              </a:rPr>
-              <a:t>( ) é onde acontece o calculo de um produto em forma de numeração decimal.</a:t>
+              <a:t>Na função multiply() é onde acontece o calculo de um produto em forma de numeração decimal.</a:t>
             </a:r>
             <a:endParaRPr lang="en-US" dirty="0">
               <a:solidFill>
@@ -4157,13 +4105,6 @@
   <p:clrMapOvr>
     <a:masterClrMapping/>
   </p:clrMapOvr>
-  <p:timing>
-    <p:tnLst>
-      <p:par>
-        <p:cTn id="1" dur="indefinite" restart="never" nodeType="tmRoot"/>
-      </p:par>
-    </p:tnLst>
-  </p:timing>
 </p:sld>
 </file>
 
@@ -4218,7 +4159,7 @@
           <a:lstStyle/>
           <a:p>
             <a:r>
-              <a:rPr lang="pt-BR" sz="2400" dirty="0" smtClean="0">
+              <a:rPr lang="pt-BR" sz="2400" dirty="0">
                 <a:solidFill>
                   <a:schemeClr val="bg1"/>
                 </a:solidFill>
@@ -4286,7 +4227,7 @@
               <a:buChar char="•"/>
             </a:pPr>
             <a:r>
-              <a:rPr lang="pt-BR" dirty="0" smtClean="0">
+              <a:rPr lang="pt-BR" dirty="0">
                 <a:solidFill>
                   <a:schemeClr val="bg1"/>
                 </a:solidFill>
@@ -4294,7 +4235,7 @@
               <a:t>A função </a:t>
             </a:r>
             <a:r>
-              <a:rPr lang="pt-BR" dirty="0" err="1" smtClean="0">
+              <a:rPr lang="pt-BR" dirty="0" err="1">
                 <a:solidFill>
                   <a:schemeClr val="bg1"/>
                 </a:solidFill>
@@ -4302,28 +4243,12 @@
               <a:t>main</a:t>
             </a:r>
             <a:r>
-              <a:rPr lang="pt-BR" dirty="0" smtClean="0">
+              <a:rPr lang="pt-BR" dirty="0">
                 <a:solidFill>
                   <a:schemeClr val="bg1"/>
                 </a:solidFill>
               </a:rPr>
-              <a:t>() é onde vai ocorrer os </a:t>
-            </a:r>
-            <a:r>
-              <a:rPr lang="pt-BR" dirty="0" err="1" smtClean="0">
-                <a:solidFill>
-                  <a:schemeClr val="bg1"/>
-                </a:solidFill>
-              </a:rPr>
-              <a:t>prints</a:t>
-            </a:r>
-            <a:r>
-              <a:rPr lang="pt-BR" dirty="0" smtClean="0">
-                <a:solidFill>
-                  <a:schemeClr val="bg1"/>
-                </a:solidFill>
-              </a:rPr>
-              <a:t> finais do código.</a:t>
+              <a:t>() é onde ocorre a interação usuário-programa</a:t>
             </a:r>
             <a:endParaRPr lang="en-US" dirty="0">
               <a:solidFill>
@@ -4343,13 +4268,161 @@
   <p:clrMapOvr>
     <a:masterClrMapping/>
   </p:clrMapOvr>
-  <p:timing>
-    <p:tnLst>
-      <p:par>
-        <p:cTn id="1" dur="indefinite" restart="never" nodeType="tmRoot"/>
-      </p:par>
-    </p:tnLst>
-  </p:timing>
+</p:sld>
+</file>
+
+<file path=ppt/slides/slide8.xml><?xml version="1.0" encoding="utf-8"?>
+<p:sld xmlns:a="http://schemas.openxmlformats.org/drawingml/2006/main" xmlns:r="http://schemas.openxmlformats.org/officeDocument/2006/relationships" xmlns:p="http://schemas.openxmlformats.org/presentationml/2006/main">
+  <p:cSld>
+    <p:bg>
+      <p:bgPr>
+        <a:solidFill>
+          <a:schemeClr val="tx2">
+            <a:lumMod val="60000"/>
+            <a:lumOff val="40000"/>
+          </a:schemeClr>
+        </a:solidFill>
+        <a:effectLst/>
+      </p:bgPr>
+    </p:bg>
+    <p:spTree>
+      <p:nvGrpSpPr>
+        <p:cNvPr id="1" name=""/>
+        <p:cNvGrpSpPr/>
+        <p:nvPr/>
+      </p:nvGrpSpPr>
+      <p:grpSpPr>
+        <a:xfrm>
+          <a:off x="0" y="0"/>
+          <a:ext cx="0" cy="0"/>
+          <a:chOff x="0" y="0"/>
+          <a:chExt cx="0" cy="0"/>
+        </a:xfrm>
+      </p:grpSpPr>
+      <p:sp>
+        <p:nvSpPr>
+          <p:cNvPr id="4" name="CaixaDeTexto 3"/>
+          <p:cNvSpPr txBox="1"/>
+          <p:nvPr/>
+        </p:nvSpPr>
+        <p:spPr>
+          <a:xfrm>
+            <a:off x="584200" y="546100"/>
+            <a:ext cx="6400800" cy="461665"/>
+          </a:xfrm>
+          <a:prstGeom prst="rect">
+            <a:avLst/>
+          </a:prstGeom>
+          <a:noFill/>
+        </p:spPr>
+        <p:txBody>
+          <a:bodyPr wrap="square" rtlCol="0">
+            <a:spAutoFit/>
+          </a:bodyPr>
+          <a:lstStyle/>
+          <a:p>
+            <a:r>
+              <a:rPr lang="pt-BR" sz="2400" dirty="0">
+                <a:solidFill>
+                  <a:schemeClr val="bg1"/>
+                </a:solidFill>
+                <a:latin typeface="Calisto MT" panose="02040603050505030304" pitchFamily="18" charset="0"/>
+              </a:rPr>
+              <a:t>Funcionamento do código com o uso de threads </a:t>
+            </a:r>
+            <a:endParaRPr lang="en-US" sz="2400" dirty="0">
+              <a:solidFill>
+                <a:schemeClr val="bg1"/>
+              </a:solidFill>
+              <a:latin typeface="Calisto MT" panose="02040603050505030304" pitchFamily="18" charset="0"/>
+            </a:endParaRPr>
+          </a:p>
+        </p:txBody>
+      </p:sp>
+      <p:sp>
+        <p:nvSpPr>
+          <p:cNvPr id="11" name="CaixaDeTexto 10"/>
+          <p:cNvSpPr txBox="1"/>
+          <p:nvPr/>
+        </p:nvSpPr>
+        <p:spPr>
+          <a:xfrm>
+            <a:off x="7248525" y="1571625"/>
+            <a:ext cx="4362450" cy="2862322"/>
+          </a:xfrm>
+          <a:prstGeom prst="rect">
+            <a:avLst/>
+          </a:prstGeom>
+          <a:noFill/>
+        </p:spPr>
+        <p:txBody>
+          <a:bodyPr wrap="square" rtlCol="0">
+            <a:spAutoFit/>
+          </a:bodyPr>
+          <a:lstStyle/>
+          <a:p>
+            <a:pPr marL="285750" indent="-285750">
+              <a:buFont typeface="Arial" panose="020B0604020202020204" pitchFamily="34" charset="0"/>
+              <a:buChar char="•"/>
+            </a:pPr>
+            <a:r>
+              <a:rPr lang="pt-BR" dirty="0">
+                <a:solidFill>
+                  <a:schemeClr val="bg1"/>
+                </a:solidFill>
+                <a:latin typeface="Calisto MT" panose="02040603050505030304" pitchFamily="18" charset="0"/>
+              </a:rPr>
+              <a:t>A função factorial() é onde ocorrerá a alocação de memória para o buffer, inicialização do tamanho e também será inicializado o buffer com o valor 1 como padrão.</a:t>
+            </a:r>
+          </a:p>
+          <a:p>
+            <a:pPr marL="285750" indent="-285750">
+              <a:buFont typeface="Arial" panose="020B0604020202020204" pitchFamily="34" charset="0"/>
+              <a:buChar char="•"/>
+            </a:pPr>
+            <a:r>
+              <a:rPr lang="pt-BR" dirty="0">
+                <a:solidFill>
+                  <a:schemeClr val="bg1"/>
+                </a:solidFill>
+                <a:latin typeface="Calisto MT" panose="02040603050505030304" pitchFamily="18" charset="0"/>
+              </a:rPr>
+              <a:t>Ocorrerá a multiplicação de valores           a partir  do valor 2  até o numero escolhido, algarismo por algarismo.</a:t>
+            </a:r>
+          </a:p>
+          <a:p>
+            <a:pPr marL="285750" indent="-285750">
+              <a:buFont typeface="Arial" panose="020B0604020202020204" pitchFamily="34" charset="0"/>
+              <a:buChar char="•"/>
+            </a:pPr>
+            <a:r>
+              <a:rPr lang="pt-BR" dirty="0">
+                <a:solidFill>
+                  <a:schemeClr val="bg1"/>
+                </a:solidFill>
+                <a:latin typeface="Calisto MT" panose="02040603050505030304" pitchFamily="18" charset="0"/>
+              </a:rPr>
+              <a:t>Por fim, um loop percorrerá o buffer exibindo os seus algarismos na tela</a:t>
+            </a:r>
+            <a:endParaRPr lang="en-US" dirty="0">
+              <a:solidFill>
+                <a:schemeClr val="bg1"/>
+              </a:solidFill>
+              <a:latin typeface="Calisto MT" panose="02040603050505030304" pitchFamily="18" charset="0"/>
+            </a:endParaRPr>
+          </a:p>
+        </p:txBody>
+      </p:sp>
+    </p:spTree>
+    <p:extLst>
+      <p:ext uri="{BB962C8B-B14F-4D97-AF65-F5344CB8AC3E}">
+        <p14:creationId xmlns:p14="http://schemas.microsoft.com/office/powerpoint/2010/main" val="2453457818"/>
+      </p:ext>
+    </p:extLst>
+  </p:cSld>
+  <p:clrMapOvr>
+    <a:masterClrMapping/>
+  </p:clrMapOvr>
 </p:sld>
 </file>
 

--- a/Apresentação/Fatorial.pptx
+++ b/Apresentação/Fatorial.pptx
@@ -13,6 +13,10 @@
     <p:sldId id="260" r:id="rId7"/>
     <p:sldId id="261" r:id="rId8"/>
     <p:sldId id="263" r:id="rId9"/>
+    <p:sldId id="265" r:id="rId10"/>
+    <p:sldId id="266" r:id="rId11"/>
+    <p:sldId id="267" r:id="rId12"/>
+    <p:sldId id="268" r:id="rId13"/>
   </p:sldIdLst>
   <p:sldSz cx="12192000" cy="6858000"/>
   <p:notesSz cx="6858000" cy="9144000"/>
@@ -3155,7 +3159,7 @@
                 </a:solidFill>
                 <a:latin typeface="Calisto MT" panose="02040603050505030304" pitchFamily="18" charset="0"/>
               </a:rPr>
-              <a:t>0!=1</a:t>
+              <a:t>0!= 1</a:t>
             </a:r>
             <a:endParaRPr lang="en-US" sz="9600" i="1" dirty="0">
               <a:solidFill>
@@ -3210,6 +3214,754 @@
     <p:extLst>
       <p:ext uri="{BB962C8B-B14F-4D97-AF65-F5344CB8AC3E}">
         <p14:creationId xmlns:p14="http://schemas.microsoft.com/office/powerpoint/2010/main" val="2755600301"/>
+      </p:ext>
+    </p:extLst>
+  </p:cSld>
+  <p:clrMapOvr>
+    <a:masterClrMapping/>
+  </p:clrMapOvr>
+</p:sld>
+</file>
+
+<file path=ppt/slides/slide10.xml><?xml version="1.0" encoding="utf-8"?>
+<p:sld xmlns:a="http://schemas.openxmlformats.org/drawingml/2006/main" xmlns:r="http://schemas.openxmlformats.org/officeDocument/2006/relationships" xmlns:p="http://schemas.openxmlformats.org/presentationml/2006/main">
+  <p:cSld>
+    <p:bg>
+      <p:bgPr>
+        <a:solidFill>
+          <a:schemeClr val="tx2">
+            <a:lumMod val="60000"/>
+            <a:lumOff val="40000"/>
+          </a:schemeClr>
+        </a:solidFill>
+        <a:effectLst/>
+      </p:bgPr>
+    </p:bg>
+    <p:spTree>
+      <p:nvGrpSpPr>
+        <p:cNvPr id="1" name=""/>
+        <p:cNvGrpSpPr/>
+        <p:nvPr/>
+      </p:nvGrpSpPr>
+      <p:grpSpPr>
+        <a:xfrm>
+          <a:off x="0" y="0"/>
+          <a:ext cx="0" cy="0"/>
+          <a:chOff x="0" y="0"/>
+          <a:chExt cx="0" cy="0"/>
+        </a:xfrm>
+      </p:grpSpPr>
+      <p:sp>
+        <p:nvSpPr>
+          <p:cNvPr id="4" name="CaixaDeTexto 3"/>
+          <p:cNvSpPr txBox="1"/>
+          <p:nvPr/>
+        </p:nvSpPr>
+        <p:spPr>
+          <a:xfrm>
+            <a:off x="584200" y="546100"/>
+            <a:ext cx="6400800" cy="461665"/>
+          </a:xfrm>
+          <a:prstGeom prst="rect">
+            <a:avLst/>
+          </a:prstGeom>
+          <a:noFill/>
+        </p:spPr>
+        <p:txBody>
+          <a:bodyPr wrap="square" rtlCol="0">
+            <a:spAutoFit/>
+          </a:bodyPr>
+          <a:lstStyle/>
+          <a:p>
+            <a:r>
+              <a:rPr lang="pt-BR" sz="2400" dirty="0">
+                <a:solidFill>
+                  <a:schemeClr val="bg1"/>
+                </a:solidFill>
+                <a:latin typeface="Calisto MT" panose="02040603050505030304" pitchFamily="18" charset="0"/>
+              </a:rPr>
+              <a:t>Funcionamento do código com o uso de threads </a:t>
+            </a:r>
+            <a:endParaRPr lang="en-US" sz="2400" dirty="0">
+              <a:solidFill>
+                <a:schemeClr val="bg1"/>
+              </a:solidFill>
+              <a:latin typeface="Calisto MT" panose="02040603050505030304" pitchFamily="18" charset="0"/>
+            </a:endParaRPr>
+          </a:p>
+        </p:txBody>
+      </p:sp>
+      <p:sp>
+        <p:nvSpPr>
+          <p:cNvPr id="11" name="CaixaDeTexto 10"/>
+          <p:cNvSpPr txBox="1"/>
+          <p:nvPr/>
+        </p:nvSpPr>
+        <p:spPr>
+          <a:xfrm>
+            <a:off x="7301325" y="2690335"/>
+            <a:ext cx="4362450" cy="1477328"/>
+          </a:xfrm>
+          <a:prstGeom prst="rect">
+            <a:avLst/>
+          </a:prstGeom>
+          <a:noFill/>
+        </p:spPr>
+        <p:txBody>
+          <a:bodyPr wrap="square" rtlCol="0">
+            <a:spAutoFit/>
+          </a:bodyPr>
+          <a:lstStyle/>
+          <a:p>
+            <a:pPr marL="742950" lvl="1" indent="-285750">
+              <a:buFont typeface="Arial" panose="020B0604020202020204" pitchFamily="34" charset="0"/>
+              <a:buChar char="•"/>
+            </a:pPr>
+            <a:r>
+              <a:rPr lang="en-US" dirty="0" err="1">
+                <a:solidFill>
+                  <a:schemeClr val="bg1"/>
+                </a:solidFill>
+                <a:latin typeface="Calisto MT" panose="02040603050505030304" pitchFamily="18" charset="0"/>
+              </a:rPr>
+              <a:t>Mudanças</a:t>
+            </a:r>
+            <a:r>
+              <a:rPr lang="en-US" dirty="0">
+                <a:solidFill>
+                  <a:schemeClr val="bg1"/>
+                </a:solidFill>
+                <a:latin typeface="Calisto MT" panose="02040603050505030304" pitchFamily="18" charset="0"/>
+              </a:rPr>
+              <a:t> no main:</a:t>
+            </a:r>
+          </a:p>
+          <a:p>
+            <a:pPr marL="1200150" lvl="2" indent="-285750">
+              <a:buFont typeface="Arial" panose="020B0604020202020204" pitchFamily="34" charset="0"/>
+              <a:buChar char="•"/>
+            </a:pPr>
+            <a:r>
+              <a:rPr lang="en-US" dirty="0" err="1">
+                <a:solidFill>
+                  <a:schemeClr val="bg1"/>
+                </a:solidFill>
+                <a:latin typeface="Calisto MT" panose="02040603050505030304" pitchFamily="18" charset="0"/>
+              </a:rPr>
+              <a:t>Declaração</a:t>
+            </a:r>
+            <a:r>
+              <a:rPr lang="en-US" dirty="0">
+                <a:solidFill>
+                  <a:schemeClr val="bg1"/>
+                </a:solidFill>
+                <a:latin typeface="Calisto MT" panose="02040603050505030304" pitchFamily="18" charset="0"/>
+              </a:rPr>
+              <a:t> das threads</a:t>
+            </a:r>
+          </a:p>
+          <a:p>
+            <a:pPr marL="1200150" lvl="2" indent="-285750">
+              <a:buFont typeface="Arial" panose="020B0604020202020204" pitchFamily="34" charset="0"/>
+              <a:buChar char="•"/>
+            </a:pPr>
+            <a:r>
+              <a:rPr lang="en-US" dirty="0" err="1">
+                <a:solidFill>
+                  <a:schemeClr val="bg1"/>
+                </a:solidFill>
+                <a:latin typeface="Calisto MT" panose="02040603050505030304" pitchFamily="18" charset="0"/>
+              </a:rPr>
+              <a:t>Cálculo</a:t>
+            </a:r>
+            <a:r>
+              <a:rPr lang="en-US" dirty="0">
+                <a:solidFill>
+                  <a:schemeClr val="bg1"/>
+                </a:solidFill>
+                <a:latin typeface="Calisto MT" panose="02040603050505030304" pitchFamily="18" charset="0"/>
+              </a:rPr>
+              <a:t> do </a:t>
+            </a:r>
+            <a:r>
+              <a:rPr lang="en-US" dirty="0" err="1">
+                <a:solidFill>
+                  <a:schemeClr val="bg1"/>
+                </a:solidFill>
+                <a:latin typeface="Calisto MT" panose="02040603050505030304" pitchFamily="18" charset="0"/>
+              </a:rPr>
+              <a:t>numero</a:t>
+            </a:r>
+            <a:r>
+              <a:rPr lang="en-US" dirty="0">
+                <a:solidFill>
+                  <a:schemeClr val="bg1"/>
+                </a:solidFill>
+                <a:latin typeface="Calisto MT" panose="02040603050505030304" pitchFamily="18" charset="0"/>
+              </a:rPr>
+              <a:t> de threads a </a:t>
+            </a:r>
+            <a:r>
+              <a:rPr lang="en-US" dirty="0" err="1">
+                <a:solidFill>
+                  <a:schemeClr val="bg1"/>
+                </a:solidFill>
+                <a:latin typeface="Calisto MT" panose="02040603050505030304" pitchFamily="18" charset="0"/>
+              </a:rPr>
+              <a:t>serem</a:t>
+            </a:r>
+            <a:r>
+              <a:rPr lang="en-US" dirty="0">
+                <a:solidFill>
+                  <a:schemeClr val="bg1"/>
+                </a:solidFill>
+                <a:latin typeface="Calisto MT" panose="02040603050505030304" pitchFamily="18" charset="0"/>
+              </a:rPr>
+              <a:t> </a:t>
+            </a:r>
+            <a:r>
+              <a:rPr lang="en-US" dirty="0" err="1">
+                <a:solidFill>
+                  <a:schemeClr val="bg1"/>
+                </a:solidFill>
+                <a:latin typeface="Calisto MT" panose="02040603050505030304" pitchFamily="18" charset="0"/>
+              </a:rPr>
+              <a:t>utilizadas</a:t>
+            </a:r>
+            <a:endParaRPr lang="en-US" dirty="0">
+              <a:solidFill>
+                <a:schemeClr val="bg1"/>
+              </a:solidFill>
+              <a:latin typeface="Calisto MT" panose="02040603050505030304" pitchFamily="18" charset="0"/>
+            </a:endParaRPr>
+          </a:p>
+          <a:p>
+            <a:pPr marL="1200150" lvl="2" indent="-285750">
+              <a:buFont typeface="Arial" panose="020B0604020202020204" pitchFamily="34" charset="0"/>
+              <a:buChar char="•"/>
+            </a:pPr>
+            <a:endParaRPr lang="en-US" dirty="0">
+              <a:solidFill>
+                <a:schemeClr val="bg1"/>
+              </a:solidFill>
+              <a:latin typeface="Calisto MT" panose="02040603050505030304" pitchFamily="18" charset="0"/>
+            </a:endParaRPr>
+          </a:p>
+        </p:txBody>
+      </p:sp>
+      <p:pic>
+        <p:nvPicPr>
+          <p:cNvPr id="5" name="Imagem 4">
+            <a:extLst>
+              <a:ext uri="{FF2B5EF4-FFF2-40B4-BE49-F238E27FC236}">
+                <a16:creationId xmlns:a16="http://schemas.microsoft.com/office/drawing/2014/main" id="{738D39B8-9BB0-49DE-B74E-160F4B344F95}"/>
+              </a:ext>
+            </a:extLst>
+          </p:cNvPr>
+          <p:cNvPicPr>
+            <a:picLocks noChangeAspect="1"/>
+          </p:cNvPicPr>
+          <p:nvPr/>
+        </p:nvPicPr>
+        <p:blipFill>
+          <a:blip r:embed="rId2"/>
+          <a:stretch>
+            <a:fillRect/>
+          </a:stretch>
+        </p:blipFill>
+        <p:spPr>
+          <a:xfrm>
+            <a:off x="382450" y="1773513"/>
+            <a:ext cx="7110262" cy="3310973"/>
+          </a:xfrm>
+          <a:prstGeom prst="rect">
+            <a:avLst/>
+          </a:prstGeom>
+        </p:spPr>
+      </p:pic>
+    </p:spTree>
+    <p:extLst>
+      <p:ext uri="{BB962C8B-B14F-4D97-AF65-F5344CB8AC3E}">
+        <p14:creationId xmlns:p14="http://schemas.microsoft.com/office/powerpoint/2010/main" val="3179762880"/>
+      </p:ext>
+    </p:extLst>
+  </p:cSld>
+  <p:clrMapOvr>
+    <a:masterClrMapping/>
+  </p:clrMapOvr>
+</p:sld>
+</file>
+
+<file path=ppt/slides/slide11.xml><?xml version="1.0" encoding="utf-8"?>
+<p:sld xmlns:a="http://schemas.openxmlformats.org/drawingml/2006/main" xmlns:r="http://schemas.openxmlformats.org/officeDocument/2006/relationships" xmlns:p="http://schemas.openxmlformats.org/presentationml/2006/main">
+  <p:cSld>
+    <p:bg>
+      <p:bgPr>
+        <a:solidFill>
+          <a:schemeClr val="tx2">
+            <a:lumMod val="60000"/>
+            <a:lumOff val="40000"/>
+          </a:schemeClr>
+        </a:solidFill>
+        <a:effectLst/>
+      </p:bgPr>
+    </p:bg>
+    <p:spTree>
+      <p:nvGrpSpPr>
+        <p:cNvPr id="1" name=""/>
+        <p:cNvGrpSpPr/>
+        <p:nvPr/>
+      </p:nvGrpSpPr>
+      <p:grpSpPr>
+        <a:xfrm>
+          <a:off x="0" y="0"/>
+          <a:ext cx="0" cy="0"/>
+          <a:chOff x="0" y="0"/>
+          <a:chExt cx="0" cy="0"/>
+        </a:xfrm>
+      </p:grpSpPr>
+      <p:sp>
+        <p:nvSpPr>
+          <p:cNvPr id="4" name="CaixaDeTexto 3"/>
+          <p:cNvSpPr txBox="1"/>
+          <p:nvPr/>
+        </p:nvSpPr>
+        <p:spPr>
+          <a:xfrm>
+            <a:off x="584200" y="546100"/>
+            <a:ext cx="6400800" cy="461665"/>
+          </a:xfrm>
+          <a:prstGeom prst="rect">
+            <a:avLst/>
+          </a:prstGeom>
+          <a:noFill/>
+        </p:spPr>
+        <p:txBody>
+          <a:bodyPr wrap="square" rtlCol="0">
+            <a:spAutoFit/>
+          </a:bodyPr>
+          <a:lstStyle/>
+          <a:p>
+            <a:r>
+              <a:rPr lang="pt-BR" sz="2400" dirty="0">
+                <a:solidFill>
+                  <a:schemeClr val="bg1"/>
+                </a:solidFill>
+                <a:latin typeface="Calisto MT" panose="02040603050505030304" pitchFamily="18" charset="0"/>
+              </a:rPr>
+              <a:t>Testes </a:t>
+            </a:r>
+            <a:endParaRPr lang="en-US" sz="2400" dirty="0">
+              <a:solidFill>
+                <a:schemeClr val="bg1"/>
+              </a:solidFill>
+              <a:latin typeface="Calisto MT" panose="02040603050505030304" pitchFamily="18" charset="0"/>
+            </a:endParaRPr>
+          </a:p>
+        </p:txBody>
+      </p:sp>
+      <p:sp>
+        <p:nvSpPr>
+          <p:cNvPr id="2" name="CaixaDeTexto 1">
+            <a:extLst>
+              <a:ext uri="{FF2B5EF4-FFF2-40B4-BE49-F238E27FC236}">
+                <a16:creationId xmlns:a16="http://schemas.microsoft.com/office/drawing/2014/main" id="{66DD762A-DC59-46F5-AA93-07A9727483DA}"/>
+              </a:ext>
+            </a:extLst>
+          </p:cNvPr>
+          <p:cNvSpPr txBox="1"/>
+          <p:nvPr/>
+        </p:nvSpPr>
+        <p:spPr>
+          <a:xfrm>
+            <a:off x="584200" y="1417982"/>
+            <a:ext cx="6811617" cy="2862322"/>
+          </a:xfrm>
+          <a:prstGeom prst="rect">
+            <a:avLst/>
+          </a:prstGeom>
+          <a:noFill/>
+        </p:spPr>
+        <p:txBody>
+          <a:bodyPr wrap="square" rtlCol="0">
+            <a:spAutoFit/>
+          </a:bodyPr>
+          <a:lstStyle/>
+          <a:p>
+            <a:pPr marL="285750" indent="-285750">
+              <a:buFont typeface="Arial" panose="020B0604020202020204" pitchFamily="34" charset="0"/>
+              <a:buChar char="•"/>
+            </a:pPr>
+            <a:r>
+              <a:rPr lang="pt-BR" dirty="0" err="1">
+                <a:solidFill>
+                  <a:schemeClr val="bg1"/>
+                </a:solidFill>
+                <a:latin typeface="Calisto MT" panose="02040603050505030304" pitchFamily="18" charset="0"/>
+              </a:rPr>
+              <a:t>Codigo</a:t>
+            </a:r>
+            <a:r>
+              <a:rPr lang="pt-BR" dirty="0">
+                <a:solidFill>
+                  <a:schemeClr val="bg1"/>
+                </a:solidFill>
+                <a:latin typeface="Calisto MT" panose="02040603050505030304" pitchFamily="18" charset="0"/>
+              </a:rPr>
+              <a:t> sem threads:</a:t>
+            </a:r>
+          </a:p>
+          <a:p>
+            <a:pPr marL="742950" lvl="1" indent="-285750">
+              <a:buFont typeface="Arial" panose="020B0604020202020204" pitchFamily="34" charset="0"/>
+              <a:buChar char="•"/>
+            </a:pPr>
+            <a:r>
+              <a:rPr lang="pt-BR" dirty="0" err="1">
+                <a:solidFill>
+                  <a:schemeClr val="bg1"/>
+                </a:solidFill>
+                <a:latin typeface="Calisto MT" panose="02040603050505030304" pitchFamily="18" charset="0"/>
+              </a:rPr>
+              <a:t>Factorial</a:t>
+            </a:r>
+            <a:r>
+              <a:rPr lang="pt-BR" dirty="0">
+                <a:solidFill>
+                  <a:schemeClr val="bg1"/>
+                </a:solidFill>
+                <a:latin typeface="Calisto MT" panose="02040603050505030304" pitchFamily="18" charset="0"/>
+              </a:rPr>
+              <a:t>(10000) tempo: 6.9s</a:t>
+            </a:r>
+          </a:p>
+          <a:p>
+            <a:pPr marL="742950" lvl="1" indent="-285750">
+              <a:buFont typeface="Arial" panose="020B0604020202020204" pitchFamily="34" charset="0"/>
+              <a:buChar char="•"/>
+            </a:pPr>
+            <a:r>
+              <a:rPr lang="pt-BR" dirty="0" err="1">
+                <a:solidFill>
+                  <a:schemeClr val="bg1"/>
+                </a:solidFill>
+                <a:latin typeface="Calisto MT" panose="02040603050505030304" pitchFamily="18" charset="0"/>
+              </a:rPr>
+              <a:t>Factorial</a:t>
+            </a:r>
+            <a:r>
+              <a:rPr lang="pt-BR" dirty="0">
+                <a:solidFill>
+                  <a:schemeClr val="bg1"/>
+                </a:solidFill>
+                <a:latin typeface="Calisto MT" panose="02040603050505030304" pitchFamily="18" charset="0"/>
+              </a:rPr>
+              <a:t>(5500) tempo : 14.38s</a:t>
+            </a:r>
+          </a:p>
+          <a:p>
+            <a:pPr marL="742950" lvl="1" indent="-285750">
+              <a:buFont typeface="Arial" panose="020B0604020202020204" pitchFamily="34" charset="0"/>
+              <a:buChar char="•"/>
+            </a:pPr>
+            <a:r>
+              <a:rPr lang="pt-BR" dirty="0" err="1">
+                <a:solidFill>
+                  <a:schemeClr val="bg1"/>
+                </a:solidFill>
+                <a:latin typeface="Calisto MT" panose="02040603050505030304" pitchFamily="18" charset="0"/>
+              </a:rPr>
+              <a:t>Factorial</a:t>
+            </a:r>
+            <a:r>
+              <a:rPr lang="pt-BR" dirty="0">
+                <a:solidFill>
+                  <a:schemeClr val="bg1"/>
+                </a:solidFill>
+                <a:latin typeface="Calisto MT" panose="02040603050505030304" pitchFamily="18" charset="0"/>
+              </a:rPr>
+              <a:t>(100) tempo: 3.6s</a:t>
+            </a:r>
+          </a:p>
+          <a:p>
+            <a:pPr marL="742950" lvl="1" indent="-285750">
+              <a:buFont typeface="Arial" panose="020B0604020202020204" pitchFamily="34" charset="0"/>
+              <a:buChar char="•"/>
+            </a:pPr>
+            <a:endParaRPr lang="pt-BR" dirty="0">
+              <a:solidFill>
+                <a:schemeClr val="bg1"/>
+              </a:solidFill>
+              <a:latin typeface="Calisto MT" panose="02040603050505030304" pitchFamily="18" charset="0"/>
+            </a:endParaRPr>
+          </a:p>
+          <a:p>
+            <a:pPr marL="285750" indent="-285750">
+              <a:buFont typeface="Arial" panose="020B0604020202020204" pitchFamily="34" charset="0"/>
+              <a:buChar char="•"/>
+            </a:pPr>
+            <a:r>
+              <a:rPr lang="pt-BR" dirty="0" err="1">
+                <a:solidFill>
+                  <a:schemeClr val="bg1"/>
+                </a:solidFill>
+                <a:latin typeface="Calisto MT" panose="02040603050505030304" pitchFamily="18" charset="0"/>
+              </a:rPr>
+              <a:t>Codigo</a:t>
+            </a:r>
+            <a:r>
+              <a:rPr lang="pt-BR" dirty="0">
+                <a:solidFill>
+                  <a:schemeClr val="bg1"/>
+                </a:solidFill>
+                <a:latin typeface="Calisto MT" panose="02040603050505030304" pitchFamily="18" charset="0"/>
+              </a:rPr>
+              <a:t> com threads:</a:t>
+            </a:r>
+          </a:p>
+          <a:p>
+            <a:pPr marL="742950" lvl="1" indent="-285750">
+              <a:buFont typeface="Arial" panose="020B0604020202020204" pitchFamily="34" charset="0"/>
+              <a:buChar char="•"/>
+            </a:pPr>
+            <a:r>
+              <a:rPr lang="pt-BR" dirty="0" err="1">
+                <a:solidFill>
+                  <a:schemeClr val="bg1"/>
+                </a:solidFill>
+                <a:latin typeface="Calisto MT" panose="02040603050505030304" pitchFamily="18" charset="0"/>
+              </a:rPr>
+              <a:t>Factorial</a:t>
+            </a:r>
+            <a:r>
+              <a:rPr lang="pt-BR" dirty="0">
+                <a:solidFill>
+                  <a:schemeClr val="bg1"/>
+                </a:solidFill>
+                <a:latin typeface="Calisto MT" panose="02040603050505030304" pitchFamily="18" charset="0"/>
+              </a:rPr>
+              <a:t>(10000) tempo: 5.6s</a:t>
+            </a:r>
+          </a:p>
+          <a:p>
+            <a:pPr marL="742950" lvl="1" indent="-285750">
+              <a:buFont typeface="Arial" panose="020B0604020202020204" pitchFamily="34" charset="0"/>
+              <a:buChar char="•"/>
+            </a:pPr>
+            <a:r>
+              <a:rPr lang="pt-BR" dirty="0" err="1">
+                <a:solidFill>
+                  <a:schemeClr val="bg1"/>
+                </a:solidFill>
+                <a:latin typeface="Calisto MT" panose="02040603050505030304" pitchFamily="18" charset="0"/>
+              </a:rPr>
+              <a:t>Factorial</a:t>
+            </a:r>
+            <a:r>
+              <a:rPr lang="pt-BR" dirty="0">
+                <a:solidFill>
+                  <a:schemeClr val="bg1"/>
+                </a:solidFill>
+                <a:latin typeface="Calisto MT" panose="02040603050505030304" pitchFamily="18" charset="0"/>
+              </a:rPr>
+              <a:t>(5500) tempo : 4.8s</a:t>
+            </a:r>
+          </a:p>
+          <a:p>
+            <a:pPr marL="742950" lvl="1" indent="-285750">
+              <a:buFont typeface="Arial" panose="020B0604020202020204" pitchFamily="34" charset="0"/>
+              <a:buChar char="•"/>
+            </a:pPr>
+            <a:r>
+              <a:rPr lang="pt-BR" dirty="0" err="1">
+                <a:solidFill>
+                  <a:schemeClr val="bg1"/>
+                </a:solidFill>
+                <a:latin typeface="Calisto MT" panose="02040603050505030304" pitchFamily="18" charset="0"/>
+              </a:rPr>
+              <a:t>Factorial</a:t>
+            </a:r>
+            <a:r>
+              <a:rPr lang="pt-BR" dirty="0">
+                <a:solidFill>
+                  <a:schemeClr val="bg1"/>
+                </a:solidFill>
+                <a:latin typeface="Calisto MT" panose="02040603050505030304" pitchFamily="18" charset="0"/>
+              </a:rPr>
+              <a:t>(100) tempo: 2.2s</a:t>
+            </a:r>
+          </a:p>
+          <a:p>
+            <a:pPr marL="742950" lvl="1" indent="-285750">
+              <a:buFont typeface="Arial" panose="020B0604020202020204" pitchFamily="34" charset="0"/>
+              <a:buChar char="•"/>
+            </a:pPr>
+            <a:endParaRPr lang="pt-BR" dirty="0">
+              <a:solidFill>
+                <a:schemeClr val="bg1"/>
+              </a:solidFill>
+              <a:latin typeface="Calisto MT" panose="02040603050505030304" pitchFamily="18" charset="0"/>
+            </a:endParaRPr>
+          </a:p>
+        </p:txBody>
+      </p:sp>
+    </p:spTree>
+    <p:extLst>
+      <p:ext uri="{BB962C8B-B14F-4D97-AF65-F5344CB8AC3E}">
+        <p14:creationId xmlns:p14="http://schemas.microsoft.com/office/powerpoint/2010/main" val="1926064284"/>
+      </p:ext>
+    </p:extLst>
+  </p:cSld>
+  <p:clrMapOvr>
+    <a:masterClrMapping/>
+  </p:clrMapOvr>
+</p:sld>
+</file>
+
+<file path=ppt/slides/slide12.xml><?xml version="1.0" encoding="utf-8"?>
+<p:sld xmlns:a="http://schemas.openxmlformats.org/drawingml/2006/main" xmlns:r="http://schemas.openxmlformats.org/officeDocument/2006/relationships" xmlns:p="http://schemas.openxmlformats.org/presentationml/2006/main">
+  <p:cSld>
+    <p:bg>
+      <p:bgPr>
+        <a:solidFill>
+          <a:schemeClr val="tx2">
+            <a:lumMod val="60000"/>
+            <a:lumOff val="40000"/>
+          </a:schemeClr>
+        </a:solidFill>
+        <a:effectLst/>
+      </p:bgPr>
+    </p:bg>
+    <p:spTree>
+      <p:nvGrpSpPr>
+        <p:cNvPr id="1" name=""/>
+        <p:cNvGrpSpPr/>
+        <p:nvPr/>
+      </p:nvGrpSpPr>
+      <p:grpSpPr>
+        <a:xfrm>
+          <a:off x="0" y="0"/>
+          <a:ext cx="0" cy="0"/>
+          <a:chOff x="0" y="0"/>
+          <a:chExt cx="0" cy="0"/>
+        </a:xfrm>
+      </p:grpSpPr>
+      <p:sp>
+        <p:nvSpPr>
+          <p:cNvPr id="4" name="CaixaDeTexto 3"/>
+          <p:cNvSpPr txBox="1"/>
+          <p:nvPr/>
+        </p:nvSpPr>
+        <p:spPr>
+          <a:xfrm>
+            <a:off x="584200" y="546100"/>
+            <a:ext cx="6400800" cy="461665"/>
+          </a:xfrm>
+          <a:prstGeom prst="rect">
+            <a:avLst/>
+          </a:prstGeom>
+          <a:noFill/>
+        </p:spPr>
+        <p:txBody>
+          <a:bodyPr wrap="square" rtlCol="0">
+            <a:spAutoFit/>
+          </a:bodyPr>
+          <a:lstStyle/>
+          <a:p>
+            <a:r>
+              <a:rPr lang="pt-BR" sz="2400" dirty="0">
+                <a:solidFill>
+                  <a:schemeClr val="bg1"/>
+                </a:solidFill>
+                <a:latin typeface="Calisto MT" panose="02040603050505030304" pitchFamily="18" charset="0"/>
+              </a:rPr>
+              <a:t>Referências :</a:t>
+            </a:r>
+            <a:endParaRPr lang="en-US" sz="2400" dirty="0">
+              <a:solidFill>
+                <a:schemeClr val="bg1"/>
+              </a:solidFill>
+              <a:latin typeface="Calisto MT" panose="02040603050505030304" pitchFamily="18" charset="0"/>
+            </a:endParaRPr>
+          </a:p>
+        </p:txBody>
+      </p:sp>
+      <p:sp>
+        <p:nvSpPr>
+          <p:cNvPr id="3" name="CaixaDeTexto 2">
+            <a:extLst>
+              <a:ext uri="{FF2B5EF4-FFF2-40B4-BE49-F238E27FC236}">
+                <a16:creationId xmlns:a16="http://schemas.microsoft.com/office/drawing/2014/main" id="{E308BE9D-9700-4119-A340-8175E7B98CDE}"/>
+              </a:ext>
+            </a:extLst>
+          </p:cNvPr>
+          <p:cNvSpPr txBox="1"/>
+          <p:nvPr/>
+        </p:nvSpPr>
+        <p:spPr>
+          <a:xfrm>
+            <a:off x="967409" y="1775791"/>
+            <a:ext cx="4837043" cy="1200329"/>
+          </a:xfrm>
+          <a:prstGeom prst="rect">
+            <a:avLst/>
+          </a:prstGeom>
+          <a:noFill/>
+        </p:spPr>
+        <p:txBody>
+          <a:bodyPr wrap="square" rtlCol="0">
+            <a:spAutoFit/>
+          </a:bodyPr>
+          <a:lstStyle/>
+          <a:p>
+            <a:pPr marL="285750" indent="-285750">
+              <a:buFont typeface="Arial" panose="020B0604020202020204" pitchFamily="34" charset="0"/>
+              <a:buChar char="•"/>
+            </a:pPr>
+            <a:r>
+              <a:rPr lang="pt-BR" dirty="0">
+                <a:solidFill>
+                  <a:schemeClr val="bg1"/>
+                </a:solidFill>
+                <a:latin typeface="Calisto MT" panose="02040603050505030304" pitchFamily="18" charset="0"/>
+                <a:hlinkClick r:id="rId2">
+                  <a:extLst>
+                    <a:ext uri="{A12FA001-AC4F-418D-AE19-62706E023703}">
+                      <ahyp:hlinkClr xmlns:ahyp="http://schemas.microsoft.com/office/drawing/2018/hyperlinkcolor" val="tx"/>
+                    </a:ext>
+                  </a:extLst>
+                </a:hlinkClick>
+              </a:rPr>
+              <a:t>https://www.geeksforgeeks.org/factorial-large-number/</a:t>
+            </a:r>
+            <a:endParaRPr lang="pt-BR" dirty="0">
+              <a:solidFill>
+                <a:schemeClr val="bg1"/>
+              </a:solidFill>
+              <a:latin typeface="Calisto MT" panose="02040603050505030304" pitchFamily="18" charset="0"/>
+            </a:endParaRPr>
+          </a:p>
+          <a:p>
+            <a:pPr marL="285750" indent="-285750">
+              <a:buFont typeface="Arial" panose="020B0604020202020204" pitchFamily="34" charset="0"/>
+              <a:buChar char="•"/>
+            </a:pPr>
+            <a:r>
+              <a:rPr lang="pt-BR" dirty="0">
+                <a:solidFill>
+                  <a:schemeClr val="bg1"/>
+                </a:solidFill>
+                <a:latin typeface="Calisto MT" panose="02040603050505030304" pitchFamily="18" charset="0"/>
+              </a:rPr>
+              <a:t>https://homepages.dcc.ufmg.br/~coutinho/pthreads/ProgramandoComThreads.pdf</a:t>
+            </a:r>
+          </a:p>
+        </p:txBody>
+      </p:sp>
+    </p:spTree>
+    <p:extLst>
+      <p:ext uri="{BB962C8B-B14F-4D97-AF65-F5344CB8AC3E}">
+        <p14:creationId xmlns:p14="http://schemas.microsoft.com/office/powerpoint/2010/main" val="1735479683"/>
       </p:ext>
     </p:extLst>
   </p:cSld>
@@ -4231,6 +4983,7 @@
                 <a:solidFill>
                   <a:schemeClr val="bg1"/>
                 </a:solidFill>
+                <a:latin typeface="Calisto MT" panose="02040603050505030304" pitchFamily="18" charset="0"/>
               </a:rPr>
               <a:t>A função </a:t>
             </a:r>
@@ -4239,6 +4992,7 @@
                 <a:solidFill>
                   <a:schemeClr val="bg1"/>
                 </a:solidFill>
+                <a:latin typeface="Calisto MT" panose="02040603050505030304" pitchFamily="18" charset="0"/>
               </a:rPr>
               <a:t>main</a:t>
             </a:r>
@@ -4247,6 +5001,7 @@
                 <a:solidFill>
                   <a:schemeClr val="bg1"/>
                 </a:solidFill>
+                <a:latin typeface="Calisto MT" panose="02040603050505030304" pitchFamily="18" charset="0"/>
               </a:rPr>
               <a:t>() é onde ocorre a interação usuário-programa</a:t>
             </a:r>
@@ -4254,6 +5009,7 @@
               <a:solidFill>
                 <a:schemeClr val="bg1"/>
               </a:solidFill>
+              <a:latin typeface="Calisto MT" panose="02040603050505030304" pitchFamily="18" charset="0"/>
             </a:endParaRPr>
           </a:p>
         </p:txBody>
@@ -4348,7 +5104,7 @@
         <p:spPr>
           <a:xfrm>
             <a:off x="7248525" y="1571625"/>
-            <a:ext cx="4362450" cy="2862322"/>
+            <a:ext cx="4362450" cy="3139321"/>
           </a:xfrm>
           <a:prstGeom prst="rect">
             <a:avLst/>
@@ -4366,13 +5122,121 @@
               <a:buChar char="•"/>
             </a:pPr>
             <a:r>
-              <a:rPr lang="pt-BR" dirty="0">
-                <a:solidFill>
-                  <a:schemeClr val="bg1"/>
-                </a:solidFill>
-                <a:latin typeface="Calisto MT" panose="02040603050505030304" pitchFamily="18" charset="0"/>
-              </a:rPr>
-              <a:t>A função factorial() é onde ocorrerá a alocação de memória para o buffer, inicialização do tamanho e também será inicializado o buffer com o valor 1 como padrão.</a:t>
+              <a:rPr lang="en-US" dirty="0">
+                <a:solidFill>
+                  <a:schemeClr val="bg1"/>
+                </a:solidFill>
+                <a:latin typeface="Calisto MT" panose="02040603050505030304" pitchFamily="18" charset="0"/>
+              </a:rPr>
+              <a:t>Nesta solução, ocorre a utilização da </a:t>
+            </a:r>
+            <a:r>
+              <a:rPr lang="en-US" dirty="0" err="1">
+                <a:solidFill>
+                  <a:schemeClr val="bg1"/>
+                </a:solidFill>
+                <a:latin typeface="Calisto MT" panose="02040603050505030304" pitchFamily="18" charset="0"/>
+              </a:rPr>
+              <a:t>biblioteca</a:t>
+            </a:r>
+            <a:r>
+              <a:rPr lang="en-US" dirty="0">
+                <a:solidFill>
+                  <a:schemeClr val="bg1"/>
+                </a:solidFill>
+                <a:latin typeface="Calisto MT" panose="02040603050505030304" pitchFamily="18" charset="0"/>
+              </a:rPr>
+              <a:t> </a:t>
+            </a:r>
+            <a:r>
+              <a:rPr lang="en-US" dirty="0" err="1">
+                <a:solidFill>
+                  <a:schemeClr val="bg1"/>
+                </a:solidFill>
+                <a:latin typeface="Calisto MT" panose="02040603050505030304" pitchFamily="18" charset="0"/>
+              </a:rPr>
+              <a:t>pthread</a:t>
+            </a:r>
+            <a:r>
+              <a:rPr lang="en-US" dirty="0">
+                <a:solidFill>
+                  <a:schemeClr val="bg1"/>
+                </a:solidFill>
+                <a:latin typeface="Calisto MT" panose="02040603050505030304" pitchFamily="18" charset="0"/>
+              </a:rPr>
+              <a:t> para a </a:t>
+            </a:r>
+            <a:r>
+              <a:rPr lang="en-US" dirty="0" err="1">
+                <a:solidFill>
+                  <a:schemeClr val="bg1"/>
+                </a:solidFill>
+                <a:latin typeface="Calisto MT" panose="02040603050505030304" pitchFamily="18" charset="0"/>
+              </a:rPr>
+              <a:t>aplicação</a:t>
+            </a:r>
+            <a:r>
+              <a:rPr lang="en-US" dirty="0">
+                <a:solidFill>
+                  <a:schemeClr val="bg1"/>
+                </a:solidFill>
+                <a:latin typeface="Calisto MT" panose="02040603050505030304" pitchFamily="18" charset="0"/>
+              </a:rPr>
+              <a:t> de threads, e as </a:t>
+            </a:r>
+            <a:r>
+              <a:rPr lang="en-US" dirty="0" err="1">
+                <a:solidFill>
+                  <a:schemeClr val="bg1"/>
+                </a:solidFill>
+                <a:latin typeface="Calisto MT" panose="02040603050505030304" pitchFamily="18" charset="0"/>
+              </a:rPr>
+              <a:t>funções</a:t>
+            </a:r>
+            <a:r>
+              <a:rPr lang="en-US" dirty="0">
+                <a:solidFill>
+                  <a:schemeClr val="bg1"/>
+                </a:solidFill>
+                <a:latin typeface="Calisto MT" panose="02040603050505030304" pitchFamily="18" charset="0"/>
+              </a:rPr>
+              <a:t> de </a:t>
+            </a:r>
+            <a:r>
+              <a:rPr lang="en-US" dirty="0" err="1">
+                <a:solidFill>
+                  <a:schemeClr val="bg1"/>
+                </a:solidFill>
+                <a:latin typeface="Calisto MT" panose="02040603050505030304" pitchFamily="18" charset="0"/>
+              </a:rPr>
+              <a:t>pthread_mutex</a:t>
+            </a:r>
+            <a:r>
+              <a:rPr lang="en-US" dirty="0">
+                <a:solidFill>
+                  <a:schemeClr val="bg1"/>
+                </a:solidFill>
+                <a:latin typeface="Calisto MT" panose="02040603050505030304" pitchFamily="18" charset="0"/>
+              </a:rPr>
+              <a:t> para a </a:t>
+            </a:r>
+            <a:r>
+              <a:rPr lang="en-US" dirty="0" err="1">
+                <a:solidFill>
+                  <a:schemeClr val="bg1"/>
+                </a:solidFill>
+                <a:latin typeface="Calisto MT" panose="02040603050505030304" pitchFamily="18" charset="0"/>
+              </a:rPr>
+              <a:t>sincronização</a:t>
+            </a:r>
+            <a:r>
+              <a:rPr lang="en-US" dirty="0">
+                <a:solidFill>
+                  <a:schemeClr val="bg1"/>
+                </a:solidFill>
+                <a:latin typeface="Calisto MT" panose="02040603050505030304" pitchFamily="18" charset="0"/>
+              </a:rPr>
+              <a:t> das threads.</a:t>
             </a:r>
           </a:p>
           <a:p>
@@ -4381,29 +5245,167 @@
               <a:buChar char="•"/>
             </a:pPr>
             <a:r>
-              <a:rPr lang="pt-BR" dirty="0">
-                <a:solidFill>
-                  <a:schemeClr val="bg1"/>
-                </a:solidFill>
-                <a:latin typeface="Calisto MT" panose="02040603050505030304" pitchFamily="18" charset="0"/>
-              </a:rPr>
-              <a:t>Ocorrerá a multiplicação de valores           a partir  do valor 2  até o numero escolhido, algarismo por algarismo.</a:t>
-            </a:r>
-          </a:p>
-          <a:p>
-            <a:pPr marL="285750" indent="-285750">
+              <a:rPr lang="en-US" dirty="0" err="1">
+                <a:solidFill>
+                  <a:schemeClr val="bg1"/>
+                </a:solidFill>
+                <a:latin typeface="Calisto MT" panose="02040603050505030304" pitchFamily="18" charset="0"/>
+              </a:rPr>
+              <a:t>Funções</a:t>
+            </a:r>
+            <a:r>
+              <a:rPr lang="en-US" dirty="0">
+                <a:solidFill>
+                  <a:schemeClr val="bg1"/>
+                </a:solidFill>
+                <a:latin typeface="Calisto MT" panose="02040603050505030304" pitchFamily="18" charset="0"/>
+              </a:rPr>
+              <a:t> </a:t>
+            </a:r>
+            <a:r>
+              <a:rPr lang="en-US" dirty="0" err="1">
+                <a:solidFill>
+                  <a:schemeClr val="bg1"/>
+                </a:solidFill>
+                <a:latin typeface="Calisto MT" panose="02040603050505030304" pitchFamily="18" charset="0"/>
+              </a:rPr>
+              <a:t>utilizadas</a:t>
+            </a:r>
+            <a:r>
+              <a:rPr lang="en-US" dirty="0">
+                <a:solidFill>
+                  <a:schemeClr val="bg1"/>
+                </a:solidFill>
+                <a:latin typeface="Calisto MT" panose="02040603050505030304" pitchFamily="18" charset="0"/>
+              </a:rPr>
+              <a:t>:</a:t>
+            </a:r>
+          </a:p>
+          <a:p>
+            <a:pPr marL="742950" lvl="1" indent="-285750">
               <a:buFont typeface="Arial" panose="020B0604020202020204" pitchFamily="34" charset="0"/>
               <a:buChar char="•"/>
             </a:pPr>
             <a:r>
-              <a:rPr lang="pt-BR" dirty="0">
-                <a:solidFill>
-                  <a:schemeClr val="bg1"/>
-                </a:solidFill>
-                <a:latin typeface="Calisto MT" panose="02040603050505030304" pitchFamily="18" charset="0"/>
-              </a:rPr>
-              <a:t>Por fim, um loop percorrerá o buffer exibindo os seus algarismos na tela</a:t>
-            </a:r>
+              <a:rPr lang="en-US" dirty="0" err="1">
+                <a:solidFill>
+                  <a:schemeClr val="bg1"/>
+                </a:solidFill>
+                <a:latin typeface="Calisto MT" panose="02040603050505030304" pitchFamily="18" charset="0"/>
+              </a:rPr>
+              <a:t>pthread_create</a:t>
+            </a:r>
+            <a:r>
+              <a:rPr lang="en-US" dirty="0">
+                <a:solidFill>
+                  <a:schemeClr val="bg1"/>
+                </a:solidFill>
+                <a:latin typeface="Calisto MT" panose="02040603050505030304" pitchFamily="18" charset="0"/>
+              </a:rPr>
+              <a:t>()</a:t>
+            </a:r>
+          </a:p>
+          <a:p>
+            <a:pPr marL="742950" lvl="1" indent="-285750">
+              <a:buFont typeface="Arial" panose="020B0604020202020204" pitchFamily="34" charset="0"/>
+              <a:buChar char="•"/>
+            </a:pPr>
+            <a:r>
+              <a:rPr lang="en-US" dirty="0" err="1">
+                <a:solidFill>
+                  <a:schemeClr val="bg1"/>
+                </a:solidFill>
+                <a:latin typeface="Calisto MT" panose="02040603050505030304" pitchFamily="18" charset="0"/>
+              </a:rPr>
+              <a:t>pthread_join</a:t>
+            </a:r>
+            <a:r>
+              <a:rPr lang="en-US" dirty="0">
+                <a:solidFill>
+                  <a:schemeClr val="bg1"/>
+                </a:solidFill>
+                <a:latin typeface="Calisto MT" panose="02040603050505030304" pitchFamily="18" charset="0"/>
+              </a:rPr>
+              <a:t>()</a:t>
+            </a:r>
+          </a:p>
+          <a:p>
+            <a:pPr marL="742950" lvl="1" indent="-285750">
+              <a:buFont typeface="Arial" panose="020B0604020202020204" pitchFamily="34" charset="0"/>
+              <a:buChar char="•"/>
+            </a:pPr>
+            <a:r>
+              <a:rPr lang="en-US" dirty="0" err="1">
+                <a:solidFill>
+                  <a:schemeClr val="bg1"/>
+                </a:solidFill>
+                <a:latin typeface="Calisto MT" panose="02040603050505030304" pitchFamily="18" charset="0"/>
+              </a:rPr>
+              <a:t>pthread_mutex_init</a:t>
+            </a:r>
+            <a:r>
+              <a:rPr lang="en-US" dirty="0">
+                <a:solidFill>
+                  <a:schemeClr val="bg1"/>
+                </a:solidFill>
+                <a:latin typeface="Calisto MT" panose="02040603050505030304" pitchFamily="18" charset="0"/>
+              </a:rPr>
+              <a:t>()</a:t>
+            </a:r>
+          </a:p>
+          <a:p>
+            <a:pPr marL="742950" lvl="1" indent="-285750">
+              <a:buFont typeface="Arial" panose="020B0604020202020204" pitchFamily="34" charset="0"/>
+              <a:buChar char="•"/>
+            </a:pPr>
+            <a:r>
+              <a:rPr lang="en-US" dirty="0" err="1">
+                <a:solidFill>
+                  <a:schemeClr val="bg1"/>
+                </a:solidFill>
+                <a:latin typeface="Calisto MT" panose="02040603050505030304" pitchFamily="18" charset="0"/>
+              </a:rPr>
+              <a:t>Pthread_mutex_lock</a:t>
+            </a:r>
+            <a:r>
+              <a:rPr lang="en-US" dirty="0">
+                <a:solidFill>
+                  <a:schemeClr val="bg1"/>
+                </a:solidFill>
+                <a:latin typeface="Calisto MT" panose="02040603050505030304" pitchFamily="18" charset="0"/>
+              </a:rPr>
+              <a:t>()</a:t>
+            </a:r>
+          </a:p>
+          <a:p>
+            <a:pPr marL="742950" lvl="1" indent="-285750">
+              <a:buFont typeface="Arial" panose="020B0604020202020204" pitchFamily="34" charset="0"/>
+              <a:buChar char="•"/>
+            </a:pPr>
+            <a:r>
+              <a:rPr lang="en-US" dirty="0" err="1">
+                <a:solidFill>
+                  <a:schemeClr val="bg1"/>
+                </a:solidFill>
+                <a:latin typeface="Calisto MT" panose="02040603050505030304" pitchFamily="18" charset="0"/>
+              </a:rPr>
+              <a:t>Pthread_mutex_unlock</a:t>
+            </a:r>
+            <a:r>
+              <a:rPr lang="en-US" dirty="0">
+                <a:solidFill>
+                  <a:schemeClr val="bg1"/>
+                </a:solidFill>
+                <a:latin typeface="Calisto MT" panose="02040603050505030304" pitchFamily="18" charset="0"/>
+              </a:rPr>
+              <a:t>()</a:t>
+            </a:r>
+          </a:p>
+          <a:p>
+            <a:pPr marL="742950" lvl="1" indent="-285750">
+              <a:buFont typeface="Arial" panose="020B0604020202020204" pitchFamily="34" charset="0"/>
+              <a:buChar char="•"/>
+            </a:pPr>
             <a:endParaRPr lang="en-US" dirty="0">
               <a:solidFill>
                 <a:schemeClr val="bg1"/>
@@ -4413,10 +5415,453 @@
           </a:p>
         </p:txBody>
       </p:sp>
+      <p:pic>
+        <p:nvPicPr>
+          <p:cNvPr id="3" name="Imagem 2">
+            <a:extLst>
+              <a:ext uri="{FF2B5EF4-FFF2-40B4-BE49-F238E27FC236}">
+                <a16:creationId xmlns:a16="http://schemas.microsoft.com/office/drawing/2014/main" id="{53DEE794-EB5A-4C58-8A32-19EE7055BBCD}"/>
+              </a:ext>
+            </a:extLst>
+          </p:cNvPr>
+          <p:cNvPicPr>
+            <a:picLocks noChangeAspect="1"/>
+          </p:cNvPicPr>
+          <p:nvPr/>
+        </p:nvPicPr>
+        <p:blipFill>
+          <a:blip r:embed="rId2"/>
+          <a:stretch>
+            <a:fillRect/>
+          </a:stretch>
+        </p:blipFill>
+        <p:spPr>
+          <a:xfrm>
+            <a:off x="581025" y="1234315"/>
+            <a:ext cx="6562725" cy="4733925"/>
+          </a:xfrm>
+          <a:prstGeom prst="rect">
+            <a:avLst/>
+          </a:prstGeom>
+        </p:spPr>
+      </p:pic>
     </p:spTree>
     <p:extLst>
       <p:ext uri="{BB962C8B-B14F-4D97-AF65-F5344CB8AC3E}">
         <p14:creationId xmlns:p14="http://schemas.microsoft.com/office/powerpoint/2010/main" val="2453457818"/>
+      </p:ext>
+    </p:extLst>
+  </p:cSld>
+  <p:clrMapOvr>
+    <a:masterClrMapping/>
+  </p:clrMapOvr>
+</p:sld>
+</file>
+
+<file path=ppt/slides/slide9.xml><?xml version="1.0" encoding="utf-8"?>
+<p:sld xmlns:a="http://schemas.openxmlformats.org/drawingml/2006/main" xmlns:r="http://schemas.openxmlformats.org/officeDocument/2006/relationships" xmlns:p="http://schemas.openxmlformats.org/presentationml/2006/main">
+  <p:cSld>
+    <p:bg>
+      <p:bgPr>
+        <a:solidFill>
+          <a:schemeClr val="tx2">
+            <a:lumMod val="60000"/>
+            <a:lumOff val="40000"/>
+          </a:schemeClr>
+        </a:solidFill>
+        <a:effectLst/>
+      </p:bgPr>
+    </p:bg>
+    <p:spTree>
+      <p:nvGrpSpPr>
+        <p:cNvPr id="1" name=""/>
+        <p:cNvGrpSpPr/>
+        <p:nvPr/>
+      </p:nvGrpSpPr>
+      <p:grpSpPr>
+        <a:xfrm>
+          <a:off x="0" y="0"/>
+          <a:ext cx="0" cy="0"/>
+          <a:chOff x="0" y="0"/>
+          <a:chExt cx="0" cy="0"/>
+        </a:xfrm>
+      </p:grpSpPr>
+      <p:sp>
+        <p:nvSpPr>
+          <p:cNvPr id="4" name="CaixaDeTexto 3"/>
+          <p:cNvSpPr txBox="1"/>
+          <p:nvPr/>
+        </p:nvSpPr>
+        <p:spPr>
+          <a:xfrm>
+            <a:off x="584200" y="546100"/>
+            <a:ext cx="6400800" cy="461665"/>
+          </a:xfrm>
+          <a:prstGeom prst="rect">
+            <a:avLst/>
+          </a:prstGeom>
+          <a:noFill/>
+        </p:spPr>
+        <p:txBody>
+          <a:bodyPr wrap="square" rtlCol="0">
+            <a:spAutoFit/>
+          </a:bodyPr>
+          <a:lstStyle/>
+          <a:p>
+            <a:r>
+              <a:rPr lang="pt-BR" sz="2400" dirty="0">
+                <a:solidFill>
+                  <a:schemeClr val="bg1"/>
+                </a:solidFill>
+                <a:latin typeface="Calisto MT" panose="02040603050505030304" pitchFamily="18" charset="0"/>
+              </a:rPr>
+              <a:t>Funcionamento do código com o uso de threads </a:t>
+            </a:r>
+            <a:endParaRPr lang="en-US" sz="2400" dirty="0">
+              <a:solidFill>
+                <a:schemeClr val="bg1"/>
+              </a:solidFill>
+              <a:latin typeface="Calisto MT" panose="02040603050505030304" pitchFamily="18" charset="0"/>
+            </a:endParaRPr>
+          </a:p>
+        </p:txBody>
+      </p:sp>
+      <p:sp>
+        <p:nvSpPr>
+          <p:cNvPr id="8" name="CaixaDeTexto 7">
+            <a:extLst>
+              <a:ext uri="{FF2B5EF4-FFF2-40B4-BE49-F238E27FC236}">
+                <a16:creationId xmlns:a16="http://schemas.microsoft.com/office/drawing/2014/main" id="{48DD0AA8-9852-4893-ACF1-F6DF2B2DDBD1}"/>
+              </a:ext>
+            </a:extLst>
+          </p:cNvPr>
+          <p:cNvSpPr txBox="1"/>
+          <p:nvPr/>
+        </p:nvSpPr>
+        <p:spPr>
+          <a:xfrm>
+            <a:off x="7392849" y="2393939"/>
+            <a:ext cx="4362450" cy="2308324"/>
+          </a:xfrm>
+          <a:prstGeom prst="rect">
+            <a:avLst/>
+          </a:prstGeom>
+          <a:noFill/>
+        </p:spPr>
+        <p:txBody>
+          <a:bodyPr wrap="square" rtlCol="0">
+            <a:spAutoFit/>
+          </a:bodyPr>
+          <a:lstStyle/>
+          <a:p>
+            <a:pPr marL="742950" lvl="1" indent="-285750">
+              <a:buFont typeface="Arial" panose="020B0604020202020204" pitchFamily="34" charset="0"/>
+              <a:buChar char="•"/>
+            </a:pPr>
+            <a:r>
+              <a:rPr lang="en-US" dirty="0" err="1">
+                <a:solidFill>
+                  <a:schemeClr val="bg1"/>
+                </a:solidFill>
+                <a:latin typeface="Calisto MT" panose="02040603050505030304" pitchFamily="18" charset="0"/>
+              </a:rPr>
+              <a:t>Funcionamento</a:t>
+            </a:r>
+            <a:r>
+              <a:rPr lang="en-US" dirty="0">
+                <a:solidFill>
+                  <a:schemeClr val="bg1"/>
+                </a:solidFill>
+                <a:latin typeface="Calisto MT" panose="02040603050505030304" pitchFamily="18" charset="0"/>
+              </a:rPr>
+              <a:t> de </a:t>
+            </a:r>
+            <a:r>
+              <a:rPr lang="en-US" dirty="0" err="1">
+                <a:solidFill>
+                  <a:schemeClr val="bg1"/>
+                </a:solidFill>
+                <a:latin typeface="Calisto MT" panose="02040603050505030304" pitchFamily="18" charset="0"/>
+              </a:rPr>
+              <a:t>threadCalc</a:t>
+            </a:r>
+            <a:r>
+              <a:rPr lang="en-US" dirty="0">
+                <a:solidFill>
+                  <a:schemeClr val="bg1"/>
+                </a:solidFill>
+                <a:latin typeface="Calisto MT" panose="02040603050505030304" pitchFamily="18" charset="0"/>
+              </a:rPr>
+              <a:t>():</a:t>
+            </a:r>
+          </a:p>
+          <a:p>
+            <a:pPr marL="1200150" lvl="2" indent="-285750">
+              <a:buFont typeface="Arial" panose="020B0604020202020204" pitchFamily="34" charset="0"/>
+              <a:buChar char="•"/>
+            </a:pPr>
+            <a:r>
+              <a:rPr lang="en-US" dirty="0" err="1">
+                <a:solidFill>
+                  <a:schemeClr val="bg1"/>
+                </a:solidFill>
+                <a:latin typeface="Calisto MT" panose="02040603050505030304" pitchFamily="18" charset="0"/>
+              </a:rPr>
+              <a:t>Passagem</a:t>
+            </a:r>
+            <a:r>
+              <a:rPr lang="en-US" dirty="0">
+                <a:solidFill>
+                  <a:schemeClr val="bg1"/>
+                </a:solidFill>
+                <a:latin typeface="Calisto MT" panose="02040603050505030304" pitchFamily="18" charset="0"/>
+              </a:rPr>
+              <a:t> por </a:t>
+            </a:r>
+            <a:r>
+              <a:rPr lang="en-US" dirty="0" err="1">
+                <a:solidFill>
+                  <a:schemeClr val="bg1"/>
+                </a:solidFill>
+                <a:latin typeface="Calisto MT" panose="02040603050505030304" pitchFamily="18" charset="0"/>
+              </a:rPr>
+              <a:t>parametros</a:t>
+            </a:r>
+            <a:r>
+              <a:rPr lang="en-US" dirty="0">
+                <a:solidFill>
+                  <a:schemeClr val="bg1"/>
+                </a:solidFill>
+                <a:latin typeface="Calisto MT" panose="02040603050505030304" pitchFamily="18" charset="0"/>
+              </a:rPr>
+              <a:t> </a:t>
+            </a:r>
+            <a:r>
+              <a:rPr lang="en-US" dirty="0" err="1">
+                <a:solidFill>
+                  <a:schemeClr val="bg1"/>
+                </a:solidFill>
+                <a:latin typeface="Calisto MT" panose="02040603050505030304" pitchFamily="18" charset="0"/>
+              </a:rPr>
+              <a:t>atraves</a:t>
+            </a:r>
+            <a:r>
+              <a:rPr lang="en-US" dirty="0">
+                <a:solidFill>
+                  <a:schemeClr val="bg1"/>
+                </a:solidFill>
+                <a:latin typeface="Calisto MT" panose="02040603050505030304" pitchFamily="18" charset="0"/>
+              </a:rPr>
+              <a:t> da struct</a:t>
+            </a:r>
+          </a:p>
+          <a:p>
+            <a:pPr marL="1200150" lvl="2" indent="-285750">
+              <a:buFont typeface="Arial" panose="020B0604020202020204" pitchFamily="34" charset="0"/>
+              <a:buChar char="•"/>
+            </a:pPr>
+            <a:r>
+              <a:rPr lang="en-US" dirty="0" err="1">
+                <a:solidFill>
+                  <a:schemeClr val="bg1"/>
+                </a:solidFill>
+                <a:latin typeface="Calisto MT" panose="02040603050505030304" pitchFamily="18" charset="0"/>
+              </a:rPr>
+              <a:t>Definição</a:t>
+            </a:r>
+            <a:r>
+              <a:rPr lang="en-US" dirty="0">
+                <a:solidFill>
+                  <a:schemeClr val="bg1"/>
+                </a:solidFill>
+                <a:latin typeface="Calisto MT" panose="02040603050505030304" pitchFamily="18" charset="0"/>
+              </a:rPr>
+              <a:t> do </a:t>
+            </a:r>
+            <a:r>
+              <a:rPr lang="en-US" dirty="0" err="1">
+                <a:solidFill>
+                  <a:schemeClr val="bg1"/>
+                </a:solidFill>
+                <a:latin typeface="Calisto MT" panose="02040603050505030304" pitchFamily="18" charset="0"/>
+              </a:rPr>
+              <a:t>inicio</a:t>
+            </a:r>
+            <a:r>
+              <a:rPr lang="en-US" dirty="0">
+                <a:solidFill>
+                  <a:schemeClr val="bg1"/>
+                </a:solidFill>
+                <a:latin typeface="Calisto MT" panose="02040603050505030304" pitchFamily="18" charset="0"/>
+              </a:rPr>
+              <a:t> de do </a:t>
+            </a:r>
+            <a:r>
+              <a:rPr lang="en-US" dirty="0" err="1">
+                <a:solidFill>
+                  <a:schemeClr val="bg1"/>
+                </a:solidFill>
+                <a:latin typeface="Calisto MT" panose="02040603050505030304" pitchFamily="18" charset="0"/>
+              </a:rPr>
+              <a:t>fim</a:t>
+            </a:r>
+            <a:r>
+              <a:rPr lang="en-US" dirty="0">
+                <a:solidFill>
+                  <a:schemeClr val="bg1"/>
+                </a:solidFill>
+                <a:latin typeface="Calisto MT" panose="02040603050505030304" pitchFamily="18" charset="0"/>
+              </a:rPr>
+              <a:t> do loop</a:t>
+            </a:r>
+          </a:p>
+          <a:p>
+            <a:pPr marL="1200150" lvl="2" indent="-285750">
+              <a:buFont typeface="Arial" panose="020B0604020202020204" pitchFamily="34" charset="0"/>
+              <a:buChar char="•"/>
+            </a:pPr>
+            <a:r>
+              <a:rPr lang="en-US" dirty="0" err="1">
+                <a:solidFill>
+                  <a:schemeClr val="bg1"/>
+                </a:solidFill>
+                <a:latin typeface="Calisto MT" panose="02040603050505030304" pitchFamily="18" charset="0"/>
+              </a:rPr>
+              <a:t>Sincronização</a:t>
+            </a:r>
+            <a:r>
+              <a:rPr lang="en-US" dirty="0">
+                <a:solidFill>
+                  <a:schemeClr val="bg1"/>
+                </a:solidFill>
+                <a:latin typeface="Calisto MT" panose="02040603050505030304" pitchFamily="18" charset="0"/>
+              </a:rPr>
+              <a:t> da threads com mutex </a:t>
+            </a:r>
+            <a:r>
+              <a:rPr lang="en-US" dirty="0" err="1">
+                <a:solidFill>
+                  <a:schemeClr val="bg1"/>
+                </a:solidFill>
+                <a:latin typeface="Calisto MT" panose="02040603050505030304" pitchFamily="18" charset="0"/>
+              </a:rPr>
+              <a:t>após</a:t>
+            </a:r>
+            <a:r>
+              <a:rPr lang="en-US" dirty="0">
+                <a:solidFill>
+                  <a:schemeClr val="bg1"/>
+                </a:solidFill>
+                <a:latin typeface="Calisto MT" panose="02040603050505030304" pitchFamily="18" charset="0"/>
+              </a:rPr>
+              <a:t> </a:t>
+            </a:r>
+            <a:r>
+              <a:rPr lang="en-US" dirty="0" err="1">
+                <a:solidFill>
+                  <a:schemeClr val="bg1"/>
+                </a:solidFill>
+                <a:latin typeface="Calisto MT" panose="02040603050505030304" pitchFamily="18" charset="0"/>
+              </a:rPr>
+              <a:t>entrar</a:t>
+            </a:r>
+            <a:r>
+              <a:rPr lang="en-US" dirty="0">
+                <a:solidFill>
+                  <a:schemeClr val="bg1"/>
+                </a:solidFill>
+                <a:latin typeface="Calisto MT" panose="02040603050505030304" pitchFamily="18" charset="0"/>
+              </a:rPr>
+              <a:t> </a:t>
+            </a:r>
+            <a:r>
+              <a:rPr lang="en-US" dirty="0" err="1">
+                <a:solidFill>
+                  <a:schemeClr val="bg1"/>
+                </a:solidFill>
+                <a:latin typeface="Calisto MT" panose="02040603050505030304" pitchFamily="18" charset="0"/>
+              </a:rPr>
+              <a:t>na</a:t>
+            </a:r>
+            <a:r>
+              <a:rPr lang="en-US" dirty="0">
+                <a:solidFill>
+                  <a:schemeClr val="bg1"/>
+                </a:solidFill>
+                <a:latin typeface="Calisto MT" panose="02040603050505030304" pitchFamily="18" charset="0"/>
+              </a:rPr>
+              <a:t> </a:t>
+            </a:r>
+            <a:r>
+              <a:rPr lang="en-US" dirty="0" err="1">
+                <a:solidFill>
+                  <a:schemeClr val="bg1"/>
+                </a:solidFill>
+                <a:latin typeface="Calisto MT" panose="02040603050505030304" pitchFamily="18" charset="0"/>
+              </a:rPr>
+              <a:t>região</a:t>
+            </a:r>
+            <a:r>
+              <a:rPr lang="en-US" dirty="0">
+                <a:solidFill>
+                  <a:schemeClr val="bg1"/>
+                </a:solidFill>
+                <a:latin typeface="Calisto MT" panose="02040603050505030304" pitchFamily="18" charset="0"/>
+              </a:rPr>
+              <a:t> </a:t>
+            </a:r>
+            <a:r>
+              <a:rPr lang="en-US" dirty="0" err="1">
+                <a:solidFill>
+                  <a:schemeClr val="bg1"/>
+                </a:solidFill>
+                <a:latin typeface="Calisto MT" panose="02040603050505030304" pitchFamily="18" charset="0"/>
+              </a:rPr>
+              <a:t>critica</a:t>
+            </a:r>
+            <a:endParaRPr lang="en-US" dirty="0">
+              <a:solidFill>
+                <a:schemeClr val="bg1"/>
+              </a:solidFill>
+              <a:latin typeface="Calisto MT" panose="02040603050505030304" pitchFamily="18" charset="0"/>
+            </a:endParaRPr>
+          </a:p>
+        </p:txBody>
+      </p:sp>
+      <p:pic>
+        <p:nvPicPr>
+          <p:cNvPr id="7" name="Imagem 6">
+            <a:extLst>
+              <a:ext uri="{FF2B5EF4-FFF2-40B4-BE49-F238E27FC236}">
+                <a16:creationId xmlns:a16="http://schemas.microsoft.com/office/drawing/2014/main" id="{C6C15681-3EEB-4A6A-A00F-94023834584F}"/>
+              </a:ext>
+            </a:extLst>
+          </p:cNvPr>
+          <p:cNvPicPr>
+            <a:picLocks noChangeAspect="1"/>
+          </p:cNvPicPr>
+          <p:nvPr/>
+        </p:nvPicPr>
+        <p:blipFill>
+          <a:blip r:embed="rId2"/>
+          <a:stretch>
+            <a:fillRect/>
+          </a:stretch>
+        </p:blipFill>
+        <p:spPr>
+          <a:xfrm>
+            <a:off x="436701" y="1825242"/>
+            <a:ext cx="7289317" cy="3168720"/>
+          </a:xfrm>
+          <a:prstGeom prst="rect">
+            <a:avLst/>
+          </a:prstGeom>
+        </p:spPr>
+      </p:pic>
+    </p:spTree>
+    <p:extLst>
+      <p:ext uri="{BB962C8B-B14F-4D97-AF65-F5344CB8AC3E}">
+        <p14:creationId xmlns:p14="http://schemas.microsoft.com/office/powerpoint/2010/main" val="581667877"/>
       </p:ext>
     </p:extLst>
   </p:cSld>
